--- a/Курсовая.pptx
+++ b/Курсовая.pptx
@@ -28,7 +28,7 @@
     <p:sldId id="271" r:id="rId16"/>
     <p:sldId id="272" r:id="rId17"/>
   </p:sldIdLst>
-  <p:sldSz cx="10080625" cy="7559675" type="screen4x3"/>
+  <p:sldSz cx="10080625" cy="7559675"/>
   <p:notesSz cx="7559675" cy="10691813"/>
   <p:defaultTextStyle>
     <a:defPPr>
@@ -128,6 +128,2821 @@
 </p:presentation>
 </file>
 
+<file path=ppt/diagrams/colors1.xml><?xml version="1.0" encoding="utf-8"?>
+<dgm:colorsDef xmlns:dgm="http://schemas.openxmlformats.org/drawingml/2006/diagram" xmlns:a="http://schemas.openxmlformats.org/drawingml/2006/main" uniqueId="urn:microsoft.com/office/officeart/2005/8/colors/accent1_2">
+  <dgm:title val=""/>
+  <dgm:desc val=""/>
+  <dgm:catLst>
+    <dgm:cat type="accent1" pri="11200"/>
+  </dgm:catLst>
+  <dgm:styleLbl name="node0">
+    <dgm:fillClrLst meth="repeat">
+      <a:schemeClr val="accent1"/>
+    </dgm:fillClrLst>
+    <dgm:linClrLst meth="repeat">
+      <a:schemeClr val="lt1"/>
+    </dgm:linClrLst>
+    <dgm:effectClrLst/>
+    <dgm:txLinClrLst/>
+    <dgm:txFillClrLst/>
+    <dgm:txEffectClrLst/>
+  </dgm:styleLbl>
+  <dgm:styleLbl name="alignNode1">
+    <dgm:fillClrLst meth="repeat">
+      <a:schemeClr val="accent1"/>
+    </dgm:fillClrLst>
+    <dgm:linClrLst meth="repeat">
+      <a:schemeClr val="accent1"/>
+    </dgm:linClrLst>
+    <dgm:effectClrLst/>
+    <dgm:txLinClrLst/>
+    <dgm:txFillClrLst/>
+    <dgm:txEffectClrLst/>
+  </dgm:styleLbl>
+  <dgm:styleLbl name="node1">
+    <dgm:fillClrLst meth="repeat">
+      <a:schemeClr val="accent1"/>
+    </dgm:fillClrLst>
+    <dgm:linClrLst meth="repeat">
+      <a:schemeClr val="lt1"/>
+    </dgm:linClrLst>
+    <dgm:effectClrLst/>
+    <dgm:txLinClrLst/>
+    <dgm:txFillClrLst/>
+    <dgm:txEffectClrLst/>
+  </dgm:styleLbl>
+  <dgm:styleLbl name="lnNode1">
+    <dgm:fillClrLst meth="repeat">
+      <a:schemeClr val="accent1"/>
+    </dgm:fillClrLst>
+    <dgm:linClrLst meth="repeat">
+      <a:schemeClr val="lt1"/>
+    </dgm:linClrLst>
+    <dgm:effectClrLst/>
+    <dgm:txLinClrLst/>
+    <dgm:txFillClrLst/>
+    <dgm:txEffectClrLst/>
+  </dgm:styleLbl>
+  <dgm:styleLbl name="vennNode1">
+    <dgm:fillClrLst meth="repeat">
+      <a:schemeClr val="accent1">
+        <a:alpha val="50000"/>
+      </a:schemeClr>
+    </dgm:fillClrLst>
+    <dgm:linClrLst meth="repeat">
+      <a:schemeClr val="lt1"/>
+    </dgm:linClrLst>
+    <dgm:effectClrLst/>
+    <dgm:txLinClrLst/>
+    <dgm:txFillClrLst/>
+    <dgm:txEffectClrLst/>
+  </dgm:styleLbl>
+  <dgm:styleLbl name="node2">
+    <dgm:fillClrLst meth="repeat">
+      <a:schemeClr val="accent1"/>
+    </dgm:fillClrLst>
+    <dgm:linClrLst meth="repeat">
+      <a:schemeClr val="lt1"/>
+    </dgm:linClrLst>
+    <dgm:effectClrLst/>
+    <dgm:txLinClrLst/>
+    <dgm:txFillClrLst/>
+    <dgm:txEffectClrLst/>
+  </dgm:styleLbl>
+  <dgm:styleLbl name="node3">
+    <dgm:fillClrLst meth="repeat">
+      <a:schemeClr val="accent1"/>
+    </dgm:fillClrLst>
+    <dgm:linClrLst meth="repeat">
+      <a:schemeClr val="lt1"/>
+    </dgm:linClrLst>
+    <dgm:effectClrLst/>
+    <dgm:txLinClrLst/>
+    <dgm:txFillClrLst/>
+    <dgm:txEffectClrLst/>
+  </dgm:styleLbl>
+  <dgm:styleLbl name="node4">
+    <dgm:fillClrLst meth="repeat">
+      <a:schemeClr val="accent1"/>
+    </dgm:fillClrLst>
+    <dgm:linClrLst meth="repeat">
+      <a:schemeClr val="lt1"/>
+    </dgm:linClrLst>
+    <dgm:effectClrLst/>
+    <dgm:txLinClrLst/>
+    <dgm:txFillClrLst/>
+    <dgm:txEffectClrLst/>
+  </dgm:styleLbl>
+  <dgm:styleLbl name="fgImgPlace1">
+    <dgm:fillClrLst meth="repeat">
+      <a:schemeClr val="accent1">
+        <a:tint val="50000"/>
+      </a:schemeClr>
+    </dgm:fillClrLst>
+    <dgm:linClrLst meth="repeat">
+      <a:schemeClr val="lt1"/>
+    </dgm:linClrLst>
+    <dgm:effectClrLst/>
+    <dgm:txLinClrLst/>
+    <dgm:txFillClrLst meth="repeat">
+      <a:schemeClr val="lt1"/>
+    </dgm:txFillClrLst>
+    <dgm:txEffectClrLst/>
+  </dgm:styleLbl>
+  <dgm:styleLbl name="alignImgPlace1">
+    <dgm:fillClrLst meth="repeat">
+      <a:schemeClr val="accent1">
+        <a:tint val="50000"/>
+      </a:schemeClr>
+    </dgm:fillClrLst>
+    <dgm:linClrLst meth="repeat">
+      <a:schemeClr val="lt1"/>
+    </dgm:linClrLst>
+    <dgm:effectClrLst/>
+    <dgm:txLinClrLst/>
+    <dgm:txFillClrLst meth="repeat">
+      <a:schemeClr val="lt1"/>
+    </dgm:txFillClrLst>
+    <dgm:txEffectClrLst/>
+  </dgm:styleLbl>
+  <dgm:styleLbl name="bgImgPlace1">
+    <dgm:fillClrLst meth="repeat">
+      <a:schemeClr val="accent1">
+        <a:tint val="50000"/>
+      </a:schemeClr>
+    </dgm:fillClrLst>
+    <dgm:linClrLst meth="repeat">
+      <a:schemeClr val="lt1"/>
+    </dgm:linClrLst>
+    <dgm:effectClrLst/>
+    <dgm:txLinClrLst/>
+    <dgm:txFillClrLst meth="repeat">
+      <a:schemeClr val="lt1"/>
+    </dgm:txFillClrLst>
+    <dgm:txEffectClrLst/>
+  </dgm:styleLbl>
+  <dgm:styleLbl name="sibTrans2D1">
+    <dgm:fillClrLst meth="repeat">
+      <a:schemeClr val="accent1">
+        <a:tint val="60000"/>
+      </a:schemeClr>
+    </dgm:fillClrLst>
+    <dgm:linClrLst meth="repeat">
+      <a:schemeClr val="accent1">
+        <a:tint val="60000"/>
+      </a:schemeClr>
+    </dgm:linClrLst>
+    <dgm:effectClrLst/>
+    <dgm:txLinClrLst/>
+    <dgm:txFillClrLst/>
+    <dgm:txEffectClrLst/>
+  </dgm:styleLbl>
+  <dgm:styleLbl name="fgSibTrans2D1">
+    <dgm:fillClrLst meth="repeat">
+      <a:schemeClr val="accent1">
+        <a:tint val="60000"/>
+      </a:schemeClr>
+    </dgm:fillClrLst>
+    <dgm:linClrLst meth="repeat">
+      <a:schemeClr val="accent1">
+        <a:tint val="60000"/>
+      </a:schemeClr>
+    </dgm:linClrLst>
+    <dgm:effectClrLst/>
+    <dgm:txLinClrLst/>
+    <dgm:txFillClrLst/>
+    <dgm:txEffectClrLst/>
+  </dgm:styleLbl>
+  <dgm:styleLbl name="bgSibTrans2D1">
+    <dgm:fillClrLst meth="repeat">
+      <a:schemeClr val="accent1">
+        <a:tint val="60000"/>
+      </a:schemeClr>
+    </dgm:fillClrLst>
+    <dgm:linClrLst meth="repeat">
+      <a:schemeClr val="accent1">
+        <a:tint val="60000"/>
+      </a:schemeClr>
+    </dgm:linClrLst>
+    <dgm:effectClrLst/>
+    <dgm:txLinClrLst/>
+    <dgm:txFillClrLst/>
+    <dgm:txEffectClrLst/>
+  </dgm:styleLbl>
+  <dgm:styleLbl name="sibTrans1D1">
+    <dgm:fillClrLst meth="repeat">
+      <a:schemeClr val="accent1"/>
+    </dgm:fillClrLst>
+    <dgm:linClrLst meth="repeat">
+      <a:schemeClr val="accent1"/>
+    </dgm:linClrLst>
+    <dgm:effectClrLst/>
+    <dgm:txLinClrLst/>
+    <dgm:txFillClrLst meth="repeat">
+      <a:schemeClr val="tx1"/>
+    </dgm:txFillClrLst>
+    <dgm:txEffectClrLst/>
+  </dgm:styleLbl>
+  <dgm:styleLbl name="callout">
+    <dgm:fillClrLst meth="repeat">
+      <a:schemeClr val="accent1"/>
+    </dgm:fillClrLst>
+    <dgm:linClrLst meth="repeat">
+      <a:schemeClr val="accent1">
+        <a:tint val="50000"/>
+      </a:schemeClr>
+    </dgm:linClrLst>
+    <dgm:effectClrLst/>
+    <dgm:txLinClrLst/>
+    <dgm:txFillClrLst meth="repeat">
+      <a:schemeClr val="tx1"/>
+    </dgm:txFillClrLst>
+    <dgm:txEffectClrLst/>
+  </dgm:styleLbl>
+  <dgm:styleLbl name="asst0">
+    <dgm:fillClrLst meth="repeat">
+      <a:schemeClr val="accent1"/>
+    </dgm:fillClrLst>
+    <dgm:linClrLst meth="repeat">
+      <a:schemeClr val="lt1"/>
+    </dgm:linClrLst>
+    <dgm:effectClrLst/>
+    <dgm:txLinClrLst/>
+    <dgm:txFillClrLst/>
+    <dgm:txEffectClrLst/>
+  </dgm:styleLbl>
+  <dgm:styleLbl name="asst1">
+    <dgm:fillClrLst meth="repeat">
+      <a:schemeClr val="accent1"/>
+    </dgm:fillClrLst>
+    <dgm:linClrLst meth="repeat">
+      <a:schemeClr val="lt1"/>
+    </dgm:linClrLst>
+    <dgm:effectClrLst/>
+    <dgm:txLinClrLst/>
+    <dgm:txFillClrLst/>
+    <dgm:txEffectClrLst/>
+  </dgm:styleLbl>
+  <dgm:styleLbl name="asst2">
+    <dgm:fillClrLst meth="repeat">
+      <a:schemeClr val="accent1"/>
+    </dgm:fillClrLst>
+    <dgm:linClrLst meth="repeat">
+      <a:schemeClr val="lt1"/>
+    </dgm:linClrLst>
+    <dgm:effectClrLst/>
+    <dgm:txLinClrLst/>
+    <dgm:txFillClrLst/>
+    <dgm:txEffectClrLst/>
+  </dgm:styleLbl>
+  <dgm:styleLbl name="asst3">
+    <dgm:fillClrLst meth="repeat">
+      <a:schemeClr val="accent1"/>
+    </dgm:fillClrLst>
+    <dgm:linClrLst meth="repeat">
+      <a:schemeClr val="lt1"/>
+    </dgm:linClrLst>
+    <dgm:effectClrLst/>
+    <dgm:txLinClrLst/>
+    <dgm:txFillClrLst/>
+    <dgm:txEffectClrLst/>
+  </dgm:styleLbl>
+  <dgm:styleLbl name="asst4">
+    <dgm:fillClrLst meth="repeat">
+      <a:schemeClr val="accent1"/>
+    </dgm:fillClrLst>
+    <dgm:linClrLst meth="repeat">
+      <a:schemeClr val="lt1"/>
+    </dgm:linClrLst>
+    <dgm:effectClrLst/>
+    <dgm:txLinClrLst/>
+    <dgm:txFillClrLst/>
+    <dgm:txEffectClrLst/>
+  </dgm:styleLbl>
+  <dgm:styleLbl name="parChTrans2D1">
+    <dgm:fillClrLst meth="repeat">
+      <a:schemeClr val="accent1">
+        <a:tint val="60000"/>
+      </a:schemeClr>
+    </dgm:fillClrLst>
+    <dgm:linClrLst meth="repeat">
+      <a:schemeClr val="accent1">
+        <a:tint val="60000"/>
+      </a:schemeClr>
+    </dgm:linClrLst>
+    <dgm:effectClrLst/>
+    <dgm:txLinClrLst/>
+    <dgm:txFillClrLst meth="repeat">
+      <a:schemeClr val="lt1"/>
+    </dgm:txFillClrLst>
+    <dgm:txEffectClrLst/>
+  </dgm:styleLbl>
+  <dgm:styleLbl name="parChTrans2D2">
+    <dgm:fillClrLst meth="repeat">
+      <a:schemeClr val="accent1"/>
+    </dgm:fillClrLst>
+    <dgm:linClrLst meth="repeat">
+      <a:schemeClr val="accent1"/>
+    </dgm:linClrLst>
+    <dgm:effectClrLst/>
+    <dgm:txLinClrLst/>
+    <dgm:txFillClrLst meth="repeat">
+      <a:schemeClr val="lt1"/>
+    </dgm:txFillClrLst>
+    <dgm:txEffectClrLst/>
+  </dgm:styleLbl>
+  <dgm:styleLbl name="parChTrans2D3">
+    <dgm:fillClrLst meth="repeat">
+      <a:schemeClr val="accent1"/>
+    </dgm:fillClrLst>
+    <dgm:linClrLst meth="repeat">
+      <a:schemeClr val="accent1"/>
+    </dgm:linClrLst>
+    <dgm:effectClrLst/>
+    <dgm:txLinClrLst/>
+    <dgm:txFillClrLst meth="repeat">
+      <a:schemeClr val="lt1"/>
+    </dgm:txFillClrLst>
+    <dgm:txEffectClrLst/>
+  </dgm:styleLbl>
+  <dgm:styleLbl name="parChTrans2D4">
+    <dgm:fillClrLst meth="repeat">
+      <a:schemeClr val="accent1"/>
+    </dgm:fillClrLst>
+    <dgm:linClrLst meth="repeat">
+      <a:schemeClr val="accent1"/>
+    </dgm:linClrLst>
+    <dgm:effectClrLst/>
+    <dgm:txLinClrLst/>
+    <dgm:txFillClrLst meth="repeat">
+      <a:schemeClr val="lt1"/>
+    </dgm:txFillClrLst>
+    <dgm:txEffectClrLst/>
+  </dgm:styleLbl>
+  <dgm:styleLbl name="parChTrans1D1">
+    <dgm:fillClrLst meth="repeat">
+      <a:schemeClr val="accent1"/>
+    </dgm:fillClrLst>
+    <dgm:linClrLst meth="repeat">
+      <a:schemeClr val="accent1">
+        <a:shade val="60000"/>
+      </a:schemeClr>
+    </dgm:linClrLst>
+    <dgm:effectClrLst/>
+    <dgm:txLinClrLst/>
+    <dgm:txFillClrLst meth="repeat">
+      <a:schemeClr val="tx1"/>
+    </dgm:txFillClrLst>
+    <dgm:txEffectClrLst/>
+  </dgm:styleLbl>
+  <dgm:styleLbl name="parChTrans1D2">
+    <dgm:fillClrLst meth="repeat">
+      <a:schemeClr val="accent1"/>
+    </dgm:fillClrLst>
+    <dgm:linClrLst meth="repeat">
+      <a:schemeClr val="accent1">
+        <a:shade val="60000"/>
+      </a:schemeClr>
+    </dgm:linClrLst>
+    <dgm:effectClrLst/>
+    <dgm:txLinClrLst/>
+    <dgm:txFillClrLst meth="repeat">
+      <a:schemeClr val="tx1"/>
+    </dgm:txFillClrLst>
+    <dgm:txEffectClrLst/>
+  </dgm:styleLbl>
+  <dgm:styleLbl name="parChTrans1D3">
+    <dgm:fillClrLst meth="repeat">
+      <a:schemeClr val="accent1"/>
+    </dgm:fillClrLst>
+    <dgm:linClrLst meth="repeat">
+      <a:schemeClr val="accent1">
+        <a:shade val="80000"/>
+      </a:schemeClr>
+    </dgm:linClrLst>
+    <dgm:effectClrLst/>
+    <dgm:txLinClrLst/>
+    <dgm:txFillClrLst meth="repeat">
+      <a:schemeClr val="tx1"/>
+    </dgm:txFillClrLst>
+    <dgm:txEffectClrLst/>
+  </dgm:styleLbl>
+  <dgm:styleLbl name="parChTrans1D4">
+    <dgm:fillClrLst meth="repeat">
+      <a:schemeClr val="accent1"/>
+    </dgm:fillClrLst>
+    <dgm:linClrLst meth="repeat">
+      <a:schemeClr val="accent1">
+        <a:shade val="80000"/>
+      </a:schemeClr>
+    </dgm:linClrLst>
+    <dgm:effectClrLst/>
+    <dgm:txLinClrLst/>
+    <dgm:txFillClrLst meth="repeat">
+      <a:schemeClr val="tx1"/>
+    </dgm:txFillClrLst>
+    <dgm:txEffectClrLst/>
+  </dgm:styleLbl>
+  <dgm:styleLbl name="fgAcc1">
+    <dgm:fillClrLst meth="repeat">
+      <a:schemeClr val="lt1">
+        <a:alpha val="90000"/>
+      </a:schemeClr>
+    </dgm:fillClrLst>
+    <dgm:linClrLst meth="repeat">
+      <a:schemeClr val="accent1"/>
+    </dgm:linClrLst>
+    <dgm:effectClrLst/>
+    <dgm:txLinClrLst/>
+    <dgm:txFillClrLst meth="repeat">
+      <a:schemeClr val="dk1"/>
+    </dgm:txFillClrLst>
+    <dgm:txEffectClrLst/>
+  </dgm:styleLbl>
+  <dgm:styleLbl name="conFgAcc1">
+    <dgm:fillClrLst meth="repeat">
+      <a:schemeClr val="lt1">
+        <a:alpha val="90000"/>
+      </a:schemeClr>
+    </dgm:fillClrLst>
+    <dgm:linClrLst meth="repeat">
+      <a:schemeClr val="accent1"/>
+    </dgm:linClrLst>
+    <dgm:effectClrLst/>
+    <dgm:txLinClrLst/>
+    <dgm:txFillClrLst meth="repeat">
+      <a:schemeClr val="dk1"/>
+    </dgm:txFillClrLst>
+    <dgm:txEffectClrLst/>
+  </dgm:styleLbl>
+  <dgm:styleLbl name="alignAcc1">
+    <dgm:fillClrLst meth="repeat">
+      <a:schemeClr val="lt1">
+        <a:alpha val="90000"/>
+      </a:schemeClr>
+    </dgm:fillClrLst>
+    <dgm:linClrLst meth="repeat">
+      <a:schemeClr val="accent1"/>
+    </dgm:linClrLst>
+    <dgm:effectClrLst/>
+    <dgm:txLinClrLst/>
+    <dgm:txFillClrLst meth="repeat">
+      <a:schemeClr val="dk1"/>
+    </dgm:txFillClrLst>
+    <dgm:txEffectClrLst/>
+  </dgm:styleLbl>
+  <dgm:styleLbl name="trAlignAcc1">
+    <dgm:fillClrLst meth="repeat">
+      <a:schemeClr val="lt1">
+        <a:alpha val="40000"/>
+      </a:schemeClr>
+    </dgm:fillClrLst>
+    <dgm:linClrLst meth="repeat">
+      <a:schemeClr val="accent1"/>
+    </dgm:linClrLst>
+    <dgm:effectClrLst/>
+    <dgm:txLinClrLst/>
+    <dgm:txFillClrLst meth="repeat">
+      <a:schemeClr val="dk1"/>
+    </dgm:txFillClrLst>
+    <dgm:txEffectClrLst/>
+  </dgm:styleLbl>
+  <dgm:styleLbl name="bgAcc1">
+    <dgm:fillClrLst meth="repeat">
+      <a:schemeClr val="lt1">
+        <a:alpha val="90000"/>
+      </a:schemeClr>
+    </dgm:fillClrLst>
+    <dgm:linClrLst meth="repeat">
+      <a:schemeClr val="accent1"/>
+    </dgm:linClrLst>
+    <dgm:effectClrLst/>
+    <dgm:txLinClrLst/>
+    <dgm:txFillClrLst meth="repeat">
+      <a:schemeClr val="dk1"/>
+    </dgm:txFillClrLst>
+    <dgm:txEffectClrLst/>
+  </dgm:styleLbl>
+  <dgm:styleLbl name="solidFgAcc1">
+    <dgm:fillClrLst meth="repeat">
+      <a:schemeClr val="lt1"/>
+    </dgm:fillClrLst>
+    <dgm:linClrLst meth="repeat">
+      <a:schemeClr val="accent1"/>
+    </dgm:linClrLst>
+    <dgm:effectClrLst/>
+    <dgm:txLinClrLst/>
+    <dgm:txFillClrLst meth="repeat">
+      <a:schemeClr val="dk1"/>
+    </dgm:txFillClrLst>
+    <dgm:txEffectClrLst/>
+  </dgm:styleLbl>
+  <dgm:styleLbl name="solidAlignAcc1">
+    <dgm:fillClrLst meth="repeat">
+      <a:schemeClr val="lt1"/>
+    </dgm:fillClrLst>
+    <dgm:linClrLst meth="repeat">
+      <a:schemeClr val="accent1"/>
+    </dgm:linClrLst>
+    <dgm:effectClrLst/>
+    <dgm:txLinClrLst/>
+    <dgm:txFillClrLst meth="repeat">
+      <a:schemeClr val="dk1"/>
+    </dgm:txFillClrLst>
+    <dgm:txEffectClrLst/>
+  </dgm:styleLbl>
+  <dgm:styleLbl name="solidBgAcc1">
+    <dgm:fillClrLst meth="repeat">
+      <a:schemeClr val="lt1"/>
+    </dgm:fillClrLst>
+    <dgm:linClrLst meth="repeat">
+      <a:schemeClr val="accent1"/>
+    </dgm:linClrLst>
+    <dgm:effectClrLst/>
+    <dgm:txLinClrLst/>
+    <dgm:txFillClrLst meth="repeat">
+      <a:schemeClr val="dk1"/>
+    </dgm:txFillClrLst>
+    <dgm:txEffectClrLst/>
+  </dgm:styleLbl>
+  <dgm:styleLbl name="fgAccFollowNode1">
+    <dgm:fillClrLst meth="repeat">
+      <a:schemeClr val="accent1">
+        <a:alpha val="90000"/>
+        <a:tint val="40000"/>
+      </a:schemeClr>
+    </dgm:fillClrLst>
+    <dgm:linClrLst meth="repeat">
+      <a:schemeClr val="accent1">
+        <a:alpha val="90000"/>
+        <a:tint val="40000"/>
+      </a:schemeClr>
+    </dgm:linClrLst>
+    <dgm:effectClrLst/>
+    <dgm:txLinClrLst/>
+    <dgm:txFillClrLst meth="repeat">
+      <a:schemeClr val="dk1"/>
+    </dgm:txFillClrLst>
+    <dgm:txEffectClrLst/>
+  </dgm:styleLbl>
+  <dgm:styleLbl name="alignAccFollowNode1">
+    <dgm:fillClrLst meth="repeat">
+      <a:schemeClr val="accent1">
+        <a:alpha val="90000"/>
+        <a:tint val="40000"/>
+      </a:schemeClr>
+    </dgm:fillClrLst>
+    <dgm:linClrLst meth="repeat">
+      <a:schemeClr val="accent1">
+        <a:alpha val="90000"/>
+        <a:tint val="40000"/>
+      </a:schemeClr>
+    </dgm:linClrLst>
+    <dgm:effectClrLst/>
+    <dgm:txLinClrLst/>
+    <dgm:txFillClrLst meth="repeat">
+      <a:schemeClr val="dk1"/>
+    </dgm:txFillClrLst>
+    <dgm:txEffectClrLst/>
+  </dgm:styleLbl>
+  <dgm:styleLbl name="bgAccFollowNode1">
+    <dgm:fillClrLst meth="repeat">
+      <a:schemeClr val="accent1">
+        <a:alpha val="90000"/>
+        <a:tint val="40000"/>
+      </a:schemeClr>
+    </dgm:fillClrLst>
+    <dgm:linClrLst meth="repeat">
+      <a:schemeClr val="accent1">
+        <a:alpha val="90000"/>
+        <a:tint val="40000"/>
+      </a:schemeClr>
+    </dgm:linClrLst>
+    <dgm:effectClrLst/>
+    <dgm:txLinClrLst/>
+    <dgm:txFillClrLst meth="repeat">
+      <a:schemeClr val="dk1"/>
+    </dgm:txFillClrLst>
+    <dgm:txEffectClrLst/>
+  </dgm:styleLbl>
+  <dgm:styleLbl name="fgAcc0">
+    <dgm:fillClrLst meth="repeat">
+      <a:schemeClr val="lt1">
+        <a:alpha val="90000"/>
+      </a:schemeClr>
+    </dgm:fillClrLst>
+    <dgm:linClrLst meth="repeat">
+      <a:schemeClr val="accent1"/>
+    </dgm:linClrLst>
+    <dgm:effectClrLst/>
+    <dgm:txLinClrLst/>
+    <dgm:txFillClrLst meth="repeat">
+      <a:schemeClr val="dk1"/>
+    </dgm:txFillClrLst>
+    <dgm:txEffectClrLst/>
+  </dgm:styleLbl>
+  <dgm:styleLbl name="fgAcc2">
+    <dgm:fillClrLst meth="repeat">
+      <a:schemeClr val="lt1">
+        <a:alpha val="90000"/>
+      </a:schemeClr>
+    </dgm:fillClrLst>
+    <dgm:linClrLst meth="repeat">
+      <a:schemeClr val="accent1"/>
+    </dgm:linClrLst>
+    <dgm:effectClrLst/>
+    <dgm:txLinClrLst/>
+    <dgm:txFillClrLst meth="repeat">
+      <a:schemeClr val="dk1"/>
+    </dgm:txFillClrLst>
+    <dgm:txEffectClrLst/>
+  </dgm:styleLbl>
+  <dgm:styleLbl name="fgAcc3">
+    <dgm:fillClrLst meth="repeat">
+      <a:schemeClr val="lt1">
+        <a:alpha val="90000"/>
+      </a:schemeClr>
+    </dgm:fillClrLst>
+    <dgm:linClrLst meth="repeat">
+      <a:schemeClr val="accent1"/>
+    </dgm:linClrLst>
+    <dgm:effectClrLst/>
+    <dgm:txLinClrLst/>
+    <dgm:txFillClrLst meth="repeat">
+      <a:schemeClr val="dk1"/>
+    </dgm:txFillClrLst>
+    <dgm:txEffectClrLst/>
+  </dgm:styleLbl>
+  <dgm:styleLbl name="fgAcc4">
+    <dgm:fillClrLst meth="repeat">
+      <a:schemeClr val="lt1">
+        <a:alpha val="90000"/>
+      </a:schemeClr>
+    </dgm:fillClrLst>
+    <dgm:linClrLst meth="repeat">
+      <a:schemeClr val="accent1"/>
+    </dgm:linClrLst>
+    <dgm:effectClrLst/>
+    <dgm:txLinClrLst/>
+    <dgm:txFillClrLst meth="repeat">
+      <a:schemeClr val="dk1"/>
+    </dgm:txFillClrLst>
+    <dgm:txEffectClrLst/>
+  </dgm:styleLbl>
+  <dgm:styleLbl name="bgShp">
+    <dgm:fillClrLst meth="repeat">
+      <a:schemeClr val="accent1">
+        <a:tint val="40000"/>
+      </a:schemeClr>
+    </dgm:fillClrLst>
+    <dgm:linClrLst meth="repeat">
+      <a:schemeClr val="accent1"/>
+    </dgm:linClrLst>
+    <dgm:effectClrLst/>
+    <dgm:txLinClrLst/>
+    <dgm:txFillClrLst meth="repeat">
+      <a:schemeClr val="dk1"/>
+    </dgm:txFillClrLst>
+    <dgm:txEffectClrLst/>
+  </dgm:styleLbl>
+  <dgm:styleLbl name="dkBgShp">
+    <dgm:fillClrLst meth="repeat">
+      <a:schemeClr val="accent1">
+        <a:shade val="80000"/>
+      </a:schemeClr>
+    </dgm:fillClrLst>
+    <dgm:linClrLst meth="repeat">
+      <a:schemeClr val="accent1"/>
+    </dgm:linClrLst>
+    <dgm:effectClrLst/>
+    <dgm:txLinClrLst/>
+    <dgm:txFillClrLst meth="repeat">
+      <a:schemeClr val="lt1"/>
+    </dgm:txFillClrLst>
+    <dgm:txEffectClrLst/>
+  </dgm:styleLbl>
+  <dgm:styleLbl name="trBgShp">
+    <dgm:fillClrLst meth="repeat">
+      <a:schemeClr val="accent1">
+        <a:tint val="50000"/>
+        <a:alpha val="40000"/>
+      </a:schemeClr>
+    </dgm:fillClrLst>
+    <dgm:linClrLst meth="repeat">
+      <a:schemeClr val="accent1"/>
+    </dgm:linClrLst>
+    <dgm:effectClrLst/>
+    <dgm:txLinClrLst/>
+    <dgm:txFillClrLst meth="repeat">
+      <a:schemeClr val="lt1"/>
+    </dgm:txFillClrLst>
+    <dgm:txEffectClrLst/>
+  </dgm:styleLbl>
+  <dgm:styleLbl name="fgShp">
+    <dgm:fillClrLst meth="repeat">
+      <a:schemeClr val="accent1">
+        <a:tint val="60000"/>
+      </a:schemeClr>
+    </dgm:fillClrLst>
+    <dgm:linClrLst meth="repeat">
+      <a:schemeClr val="lt1"/>
+    </dgm:linClrLst>
+    <dgm:effectClrLst/>
+    <dgm:txLinClrLst/>
+    <dgm:txFillClrLst meth="repeat">
+      <a:schemeClr val="dk1"/>
+    </dgm:txFillClrLst>
+    <dgm:txEffectClrLst/>
+  </dgm:styleLbl>
+  <dgm:styleLbl name="revTx">
+    <dgm:fillClrLst meth="repeat">
+      <a:schemeClr val="lt1">
+        <a:alpha val="0"/>
+      </a:schemeClr>
+    </dgm:fillClrLst>
+    <dgm:linClrLst meth="repeat">
+      <a:schemeClr val="dk1">
+        <a:alpha val="0"/>
+      </a:schemeClr>
+    </dgm:linClrLst>
+    <dgm:effectClrLst/>
+    <dgm:txLinClrLst/>
+    <dgm:txFillClrLst meth="repeat">
+      <a:schemeClr val="tx1"/>
+    </dgm:txFillClrLst>
+    <dgm:txEffectClrLst/>
+  </dgm:styleLbl>
+</dgm:colorsDef>
+</file>
+
+<file path=ppt/diagrams/data1.xml><?xml version="1.0" encoding="utf-8"?>
+<dgm:dataModel xmlns:dgm="http://schemas.openxmlformats.org/drawingml/2006/diagram" xmlns:a="http://schemas.openxmlformats.org/drawingml/2006/main">
+  <dgm:ptLst>
+    <dgm:pt modelId="{4FE42402-4808-41DD-8424-CBB9C08CF530}" type="doc">
+      <dgm:prSet loTypeId="urn:microsoft.com/office/officeart/2005/8/layout/hProcess7" loCatId="list" qsTypeId="urn:microsoft.com/office/officeart/2005/8/quickstyle/simple1" qsCatId="simple" csTypeId="urn:microsoft.com/office/officeart/2005/8/colors/accent1_2" csCatId="accent1" phldr="1"/>
+      <dgm:spPr/>
+      <dgm:t>
+        <a:bodyPr/>
+        <a:lstStyle/>
+        <a:p>
+          <a:endParaRPr lang="ru-RU"/>
+        </a:p>
+      </dgm:t>
+    </dgm:pt>
+    <dgm:pt modelId="{57945CDB-8B5A-48BC-8F7F-E7BDC45EC8F6}">
+      <dgm:prSet phldrT="[Текст]" phldr="1"/>
+      <dgm:spPr>
+        <a:blipFill rotWithShape="0">
+          <a:blip xmlns:r="http://schemas.openxmlformats.org/officeDocument/2006/relationships" r:embed="rId1"/>
+          <a:stretch>
+            <a:fillRect/>
+          </a:stretch>
+        </a:blipFill>
+        <a:ln>
+          <a:solidFill>
+            <a:srgbClr val="C0C0C0"/>
+          </a:solidFill>
+        </a:ln>
+      </dgm:spPr>
+      <dgm:t>
+        <a:bodyPr/>
+        <a:lstStyle/>
+        <a:p>
+          <a:endParaRPr lang="ru-RU" dirty="0"/>
+        </a:p>
+      </dgm:t>
+    </dgm:pt>
+    <dgm:pt modelId="{EF523D96-BE1D-4698-8AD4-4F88D7089209}" type="parTrans" cxnId="{E6A4D4E4-98B1-4DFA-8973-309321050DEC}">
+      <dgm:prSet/>
+      <dgm:spPr/>
+      <dgm:t>
+        <a:bodyPr/>
+        <a:lstStyle/>
+        <a:p>
+          <a:endParaRPr lang="ru-RU"/>
+        </a:p>
+      </dgm:t>
+    </dgm:pt>
+    <dgm:pt modelId="{5ED1600E-E904-4055-AD10-0B97BDB1178C}" type="sibTrans" cxnId="{E6A4D4E4-98B1-4DFA-8973-309321050DEC}">
+      <dgm:prSet/>
+      <dgm:spPr/>
+      <dgm:t>
+        <a:bodyPr/>
+        <a:lstStyle/>
+        <a:p>
+          <a:endParaRPr lang="ru-RU"/>
+        </a:p>
+      </dgm:t>
+    </dgm:pt>
+    <dgm:pt modelId="{59C18202-13E5-4690-AB37-F0C947C7922C}">
+      <dgm:prSet phldrT="[Текст]" phldr="1"/>
+      <dgm:spPr>
+        <a:blipFill rotWithShape="0">
+          <a:blip xmlns:r="http://schemas.openxmlformats.org/officeDocument/2006/relationships" r:embed="rId2"/>
+          <a:stretch>
+            <a:fillRect/>
+          </a:stretch>
+        </a:blipFill>
+        <a:ln>
+          <a:solidFill>
+            <a:srgbClr val="C0C0C0"/>
+          </a:solidFill>
+        </a:ln>
+      </dgm:spPr>
+      <dgm:t>
+        <a:bodyPr/>
+        <a:lstStyle/>
+        <a:p>
+          <a:endParaRPr lang="ru-RU"/>
+        </a:p>
+      </dgm:t>
+    </dgm:pt>
+    <dgm:pt modelId="{560332C2-D495-4C5A-9208-150FFEBE65D6}" type="parTrans" cxnId="{E8369D23-580E-4177-89EE-F8B59407B639}">
+      <dgm:prSet/>
+      <dgm:spPr/>
+      <dgm:t>
+        <a:bodyPr/>
+        <a:lstStyle/>
+        <a:p>
+          <a:endParaRPr lang="ru-RU"/>
+        </a:p>
+      </dgm:t>
+    </dgm:pt>
+    <dgm:pt modelId="{C9D0EAD8-75AD-4A74-B242-A395A066DBB3}" type="sibTrans" cxnId="{E8369D23-580E-4177-89EE-F8B59407B639}">
+      <dgm:prSet/>
+      <dgm:spPr/>
+      <dgm:t>
+        <a:bodyPr/>
+        <a:lstStyle/>
+        <a:p>
+          <a:endParaRPr lang="ru-RU"/>
+        </a:p>
+      </dgm:t>
+    </dgm:pt>
+    <dgm:pt modelId="{C0D8F4AE-E40F-4867-A588-8C9CDA2B378D}">
+      <dgm:prSet phldrT="[Текст]" phldr="1"/>
+      <dgm:spPr>
+        <a:blipFill rotWithShape="0">
+          <a:blip xmlns:r="http://schemas.openxmlformats.org/officeDocument/2006/relationships" r:embed="rId3"/>
+          <a:stretch>
+            <a:fillRect/>
+          </a:stretch>
+        </a:blipFill>
+        <a:ln>
+          <a:solidFill>
+            <a:srgbClr val="C0C0C0"/>
+          </a:solidFill>
+        </a:ln>
+      </dgm:spPr>
+      <dgm:t>
+        <a:bodyPr/>
+        <a:lstStyle/>
+        <a:p>
+          <a:endParaRPr lang="ru-RU" dirty="0"/>
+        </a:p>
+      </dgm:t>
+    </dgm:pt>
+    <dgm:pt modelId="{442132D5-A744-4863-A52E-C1BA0BE21AA2}" type="sibTrans" cxnId="{DEFC2118-7A7B-4C7B-A8D6-ED158AAFDACF}">
+      <dgm:prSet/>
+      <dgm:spPr/>
+      <dgm:t>
+        <a:bodyPr/>
+        <a:lstStyle/>
+        <a:p>
+          <a:endParaRPr lang="ru-RU"/>
+        </a:p>
+      </dgm:t>
+    </dgm:pt>
+    <dgm:pt modelId="{C0DFE16D-5E7E-469C-88C2-8608AB5A0493}" type="parTrans" cxnId="{DEFC2118-7A7B-4C7B-A8D6-ED158AAFDACF}">
+      <dgm:prSet/>
+      <dgm:spPr/>
+      <dgm:t>
+        <a:bodyPr/>
+        <a:lstStyle/>
+        <a:p>
+          <a:endParaRPr lang="ru-RU"/>
+        </a:p>
+      </dgm:t>
+    </dgm:pt>
+    <dgm:pt modelId="{4B007FF7-2C63-41A5-B140-E1C04C209BF3}" type="pres">
+      <dgm:prSet presAssocID="{4FE42402-4808-41DD-8424-CBB9C08CF530}" presName="Name0" presStyleCnt="0">
+        <dgm:presLayoutVars>
+          <dgm:dir/>
+          <dgm:animLvl val="lvl"/>
+          <dgm:resizeHandles val="exact"/>
+        </dgm:presLayoutVars>
+      </dgm:prSet>
+      <dgm:spPr/>
+      <dgm:t>
+        <a:bodyPr/>
+        <a:lstStyle/>
+        <a:p>
+          <a:endParaRPr lang="ru-RU"/>
+        </a:p>
+      </dgm:t>
+    </dgm:pt>
+    <dgm:pt modelId="{6B4D3B45-9D03-4E43-ADCE-95C93C8670F0}" type="pres">
+      <dgm:prSet presAssocID="{C0D8F4AE-E40F-4867-A588-8C9CDA2B378D}" presName="compositeNode" presStyleCnt="0">
+        <dgm:presLayoutVars>
+          <dgm:bulletEnabled val="1"/>
+        </dgm:presLayoutVars>
+      </dgm:prSet>
+      <dgm:spPr/>
+    </dgm:pt>
+    <dgm:pt modelId="{6986CAE3-4B3A-416A-A988-71035D39FE58}" type="pres">
+      <dgm:prSet presAssocID="{C0D8F4AE-E40F-4867-A588-8C9CDA2B378D}" presName="bgRect" presStyleLbl="node1" presStyleIdx="0" presStyleCnt="3" custLinFactNeighborX="-23" custLinFactNeighborY="-7500"/>
+      <dgm:spPr/>
+      <dgm:t>
+        <a:bodyPr/>
+        <a:lstStyle/>
+        <a:p>
+          <a:endParaRPr lang="ru-RU"/>
+        </a:p>
+      </dgm:t>
+    </dgm:pt>
+    <dgm:pt modelId="{D4447DBF-E785-4CE6-A47F-8C49DDF829A2}" type="pres">
+      <dgm:prSet presAssocID="{C0D8F4AE-E40F-4867-A588-8C9CDA2B378D}" presName="parentNode" presStyleLbl="node1" presStyleIdx="0" presStyleCnt="3">
+        <dgm:presLayoutVars>
+          <dgm:chMax val="0"/>
+          <dgm:bulletEnabled val="1"/>
+        </dgm:presLayoutVars>
+      </dgm:prSet>
+      <dgm:spPr/>
+      <dgm:t>
+        <a:bodyPr/>
+        <a:lstStyle/>
+        <a:p>
+          <a:endParaRPr lang="ru-RU"/>
+        </a:p>
+      </dgm:t>
+    </dgm:pt>
+    <dgm:pt modelId="{5FA10B4C-675D-4B8F-9841-89D1A2BD03C6}" type="pres">
+      <dgm:prSet presAssocID="{442132D5-A744-4863-A52E-C1BA0BE21AA2}" presName="hSp" presStyleCnt="0"/>
+      <dgm:spPr/>
+    </dgm:pt>
+    <dgm:pt modelId="{0A92FB81-27FC-4A70-B331-9062F7A8C253}" type="pres">
+      <dgm:prSet presAssocID="{442132D5-A744-4863-A52E-C1BA0BE21AA2}" presName="vProcSp" presStyleCnt="0"/>
+      <dgm:spPr/>
+    </dgm:pt>
+    <dgm:pt modelId="{B08EBAA6-BFD8-4BA2-A845-B27537B078EB}" type="pres">
+      <dgm:prSet presAssocID="{442132D5-A744-4863-A52E-C1BA0BE21AA2}" presName="vSp1" presStyleCnt="0"/>
+      <dgm:spPr/>
+    </dgm:pt>
+    <dgm:pt modelId="{CA4700DC-E596-4A54-BC0E-9A26F9B6D1EE}" type="pres">
+      <dgm:prSet presAssocID="{442132D5-A744-4863-A52E-C1BA0BE21AA2}" presName="simulatedConn" presStyleLbl="solidFgAcc1" presStyleIdx="0" presStyleCnt="2"/>
+      <dgm:spPr>
+        <a:solidFill>
+          <a:schemeClr val="tx1">
+            <a:lumMod val="50000"/>
+            <a:lumOff val="50000"/>
+          </a:schemeClr>
+        </a:solidFill>
+        <a:ln>
+          <a:solidFill>
+            <a:schemeClr val="tx1">
+              <a:lumMod val="65000"/>
+              <a:lumOff val="35000"/>
+            </a:schemeClr>
+          </a:solidFill>
+        </a:ln>
+      </dgm:spPr>
+    </dgm:pt>
+    <dgm:pt modelId="{683CB2B7-3ABB-43EA-9312-56D3E028C8C8}" type="pres">
+      <dgm:prSet presAssocID="{442132D5-A744-4863-A52E-C1BA0BE21AA2}" presName="vSp2" presStyleCnt="0"/>
+      <dgm:spPr/>
+    </dgm:pt>
+    <dgm:pt modelId="{1ED3ED9B-21C7-4AE1-B8A1-19BA508DF438}" type="pres">
+      <dgm:prSet presAssocID="{442132D5-A744-4863-A52E-C1BA0BE21AA2}" presName="sibTrans" presStyleCnt="0"/>
+      <dgm:spPr/>
+    </dgm:pt>
+    <dgm:pt modelId="{21B46113-1878-47E2-8DA0-1BF6BA0EB279}" type="pres">
+      <dgm:prSet presAssocID="{57945CDB-8B5A-48BC-8F7F-E7BDC45EC8F6}" presName="compositeNode" presStyleCnt="0">
+        <dgm:presLayoutVars>
+          <dgm:bulletEnabled val="1"/>
+        </dgm:presLayoutVars>
+      </dgm:prSet>
+      <dgm:spPr/>
+    </dgm:pt>
+    <dgm:pt modelId="{C8107158-C0B6-4831-A6B7-65FF25ECB854}" type="pres">
+      <dgm:prSet presAssocID="{57945CDB-8B5A-48BC-8F7F-E7BDC45EC8F6}" presName="bgRect" presStyleLbl="node1" presStyleIdx="1" presStyleCnt="3"/>
+      <dgm:spPr/>
+      <dgm:t>
+        <a:bodyPr/>
+        <a:lstStyle/>
+        <a:p>
+          <a:endParaRPr lang="ru-RU"/>
+        </a:p>
+      </dgm:t>
+    </dgm:pt>
+    <dgm:pt modelId="{EC803A23-EA73-4DE8-8298-4592EF61AB82}" type="pres">
+      <dgm:prSet presAssocID="{57945CDB-8B5A-48BC-8F7F-E7BDC45EC8F6}" presName="parentNode" presStyleLbl="node1" presStyleIdx="1" presStyleCnt="3">
+        <dgm:presLayoutVars>
+          <dgm:chMax val="0"/>
+          <dgm:bulletEnabled val="1"/>
+        </dgm:presLayoutVars>
+      </dgm:prSet>
+      <dgm:spPr/>
+      <dgm:t>
+        <a:bodyPr/>
+        <a:lstStyle/>
+        <a:p>
+          <a:endParaRPr lang="ru-RU"/>
+        </a:p>
+      </dgm:t>
+    </dgm:pt>
+    <dgm:pt modelId="{16A91EC0-6463-428F-B4E1-49BCBDE75E6C}" type="pres">
+      <dgm:prSet presAssocID="{5ED1600E-E904-4055-AD10-0B97BDB1178C}" presName="hSp" presStyleCnt="0"/>
+      <dgm:spPr/>
+    </dgm:pt>
+    <dgm:pt modelId="{EFF72897-475E-424F-A5A0-5C29AF92FFD5}" type="pres">
+      <dgm:prSet presAssocID="{5ED1600E-E904-4055-AD10-0B97BDB1178C}" presName="vProcSp" presStyleCnt="0"/>
+      <dgm:spPr/>
+    </dgm:pt>
+    <dgm:pt modelId="{F1D62313-305B-41C2-AC4D-55AE887D454B}" type="pres">
+      <dgm:prSet presAssocID="{5ED1600E-E904-4055-AD10-0B97BDB1178C}" presName="vSp1" presStyleCnt="0"/>
+      <dgm:spPr/>
+    </dgm:pt>
+    <dgm:pt modelId="{17FE67C7-10A1-413B-9CCC-1EDFD0B34BEF}" type="pres">
+      <dgm:prSet presAssocID="{5ED1600E-E904-4055-AD10-0B97BDB1178C}" presName="simulatedConn" presStyleLbl="solidFgAcc1" presStyleIdx="1" presStyleCnt="2"/>
+      <dgm:spPr>
+        <a:solidFill>
+          <a:schemeClr val="tx1">
+            <a:lumMod val="50000"/>
+            <a:lumOff val="50000"/>
+          </a:schemeClr>
+        </a:solidFill>
+        <a:ln>
+          <a:solidFill>
+            <a:schemeClr val="tx1">
+              <a:lumMod val="65000"/>
+              <a:lumOff val="35000"/>
+            </a:schemeClr>
+          </a:solidFill>
+        </a:ln>
+      </dgm:spPr>
+    </dgm:pt>
+    <dgm:pt modelId="{9F38F4B8-85CA-4909-8E1D-5806DE1BFB9F}" type="pres">
+      <dgm:prSet presAssocID="{5ED1600E-E904-4055-AD10-0B97BDB1178C}" presName="vSp2" presStyleCnt="0"/>
+      <dgm:spPr/>
+    </dgm:pt>
+    <dgm:pt modelId="{1B02F5AA-0C1B-4C5C-B16E-B29906632B86}" type="pres">
+      <dgm:prSet presAssocID="{5ED1600E-E904-4055-AD10-0B97BDB1178C}" presName="sibTrans" presStyleCnt="0"/>
+      <dgm:spPr/>
+    </dgm:pt>
+    <dgm:pt modelId="{99400346-26DB-4C79-B7DD-A89DA71DCA04}" type="pres">
+      <dgm:prSet presAssocID="{59C18202-13E5-4690-AB37-F0C947C7922C}" presName="compositeNode" presStyleCnt="0">
+        <dgm:presLayoutVars>
+          <dgm:bulletEnabled val="1"/>
+        </dgm:presLayoutVars>
+      </dgm:prSet>
+      <dgm:spPr/>
+    </dgm:pt>
+    <dgm:pt modelId="{D363A77D-F59E-4CC4-9C12-954448F7D558}" type="pres">
+      <dgm:prSet presAssocID="{59C18202-13E5-4690-AB37-F0C947C7922C}" presName="bgRect" presStyleLbl="node1" presStyleIdx="2" presStyleCnt="3"/>
+      <dgm:spPr/>
+      <dgm:t>
+        <a:bodyPr/>
+        <a:lstStyle/>
+        <a:p>
+          <a:endParaRPr lang="ru-RU"/>
+        </a:p>
+      </dgm:t>
+    </dgm:pt>
+    <dgm:pt modelId="{C7EAA3E9-A54B-45BB-8EC5-AA71FE163EF3}" type="pres">
+      <dgm:prSet presAssocID="{59C18202-13E5-4690-AB37-F0C947C7922C}" presName="parentNode" presStyleLbl="node1" presStyleIdx="2" presStyleCnt="3">
+        <dgm:presLayoutVars>
+          <dgm:chMax val="0"/>
+          <dgm:bulletEnabled val="1"/>
+        </dgm:presLayoutVars>
+      </dgm:prSet>
+      <dgm:spPr/>
+      <dgm:t>
+        <a:bodyPr/>
+        <a:lstStyle/>
+        <a:p>
+          <a:endParaRPr lang="ru-RU"/>
+        </a:p>
+      </dgm:t>
+    </dgm:pt>
+  </dgm:ptLst>
+  <dgm:cxnLst>
+    <dgm:cxn modelId="{9A3C48CE-4A39-420B-BB6A-7B621AA92600}" type="presOf" srcId="{57945CDB-8B5A-48BC-8F7F-E7BDC45EC8F6}" destId="{EC803A23-EA73-4DE8-8298-4592EF61AB82}" srcOrd="1" destOrd="0" presId="urn:microsoft.com/office/officeart/2005/8/layout/hProcess7"/>
+    <dgm:cxn modelId="{E6A4D4E4-98B1-4DFA-8973-309321050DEC}" srcId="{4FE42402-4808-41DD-8424-CBB9C08CF530}" destId="{57945CDB-8B5A-48BC-8F7F-E7BDC45EC8F6}" srcOrd="1" destOrd="0" parTransId="{EF523D96-BE1D-4698-8AD4-4F88D7089209}" sibTransId="{5ED1600E-E904-4055-AD10-0B97BDB1178C}"/>
+    <dgm:cxn modelId="{66ADEA5D-A681-4F9D-A359-F77178FF2A0F}" type="presOf" srcId="{C0D8F4AE-E40F-4867-A588-8C9CDA2B378D}" destId="{D4447DBF-E785-4CE6-A47F-8C49DDF829A2}" srcOrd="1" destOrd="0" presId="urn:microsoft.com/office/officeart/2005/8/layout/hProcess7"/>
+    <dgm:cxn modelId="{2A94107F-8149-4ABB-BDEB-2AFD7165F824}" type="presOf" srcId="{59C18202-13E5-4690-AB37-F0C947C7922C}" destId="{C7EAA3E9-A54B-45BB-8EC5-AA71FE163EF3}" srcOrd="1" destOrd="0" presId="urn:microsoft.com/office/officeart/2005/8/layout/hProcess7"/>
+    <dgm:cxn modelId="{E8369D23-580E-4177-89EE-F8B59407B639}" srcId="{4FE42402-4808-41DD-8424-CBB9C08CF530}" destId="{59C18202-13E5-4690-AB37-F0C947C7922C}" srcOrd="2" destOrd="0" parTransId="{560332C2-D495-4C5A-9208-150FFEBE65D6}" sibTransId="{C9D0EAD8-75AD-4A74-B242-A395A066DBB3}"/>
+    <dgm:cxn modelId="{F4E9F531-3D6F-47BF-AAEC-37E3A30D9BFB}" type="presOf" srcId="{4FE42402-4808-41DD-8424-CBB9C08CF530}" destId="{4B007FF7-2C63-41A5-B140-E1C04C209BF3}" srcOrd="0" destOrd="0" presId="urn:microsoft.com/office/officeart/2005/8/layout/hProcess7"/>
+    <dgm:cxn modelId="{76CAF488-76B0-4352-A885-152991B8EA43}" type="presOf" srcId="{57945CDB-8B5A-48BC-8F7F-E7BDC45EC8F6}" destId="{C8107158-C0B6-4831-A6B7-65FF25ECB854}" srcOrd="0" destOrd="0" presId="urn:microsoft.com/office/officeart/2005/8/layout/hProcess7"/>
+    <dgm:cxn modelId="{46D8EE8F-8DD8-4C37-9A2A-23C2EF7470CA}" type="presOf" srcId="{C0D8F4AE-E40F-4867-A588-8C9CDA2B378D}" destId="{6986CAE3-4B3A-416A-A988-71035D39FE58}" srcOrd="0" destOrd="0" presId="urn:microsoft.com/office/officeart/2005/8/layout/hProcess7"/>
+    <dgm:cxn modelId="{1DA35585-1C58-46F0-ADB5-257982D93596}" type="presOf" srcId="{59C18202-13E5-4690-AB37-F0C947C7922C}" destId="{D363A77D-F59E-4CC4-9C12-954448F7D558}" srcOrd="0" destOrd="0" presId="urn:microsoft.com/office/officeart/2005/8/layout/hProcess7"/>
+    <dgm:cxn modelId="{DEFC2118-7A7B-4C7B-A8D6-ED158AAFDACF}" srcId="{4FE42402-4808-41DD-8424-CBB9C08CF530}" destId="{C0D8F4AE-E40F-4867-A588-8C9CDA2B378D}" srcOrd="0" destOrd="0" parTransId="{C0DFE16D-5E7E-469C-88C2-8608AB5A0493}" sibTransId="{442132D5-A744-4863-A52E-C1BA0BE21AA2}"/>
+    <dgm:cxn modelId="{5519D41D-6A7A-4AF1-BD95-59E4128532D6}" type="presParOf" srcId="{4B007FF7-2C63-41A5-B140-E1C04C209BF3}" destId="{6B4D3B45-9D03-4E43-ADCE-95C93C8670F0}" srcOrd="0" destOrd="0" presId="urn:microsoft.com/office/officeart/2005/8/layout/hProcess7"/>
+    <dgm:cxn modelId="{218715A0-20AD-4A55-AC1B-E7E2D8B016A6}" type="presParOf" srcId="{6B4D3B45-9D03-4E43-ADCE-95C93C8670F0}" destId="{6986CAE3-4B3A-416A-A988-71035D39FE58}" srcOrd="0" destOrd="0" presId="urn:microsoft.com/office/officeart/2005/8/layout/hProcess7"/>
+    <dgm:cxn modelId="{1EF5AFAE-4489-4CF0-A295-92C2B4B3016C}" type="presParOf" srcId="{6B4D3B45-9D03-4E43-ADCE-95C93C8670F0}" destId="{D4447DBF-E785-4CE6-A47F-8C49DDF829A2}" srcOrd="1" destOrd="0" presId="urn:microsoft.com/office/officeart/2005/8/layout/hProcess7"/>
+    <dgm:cxn modelId="{949A5989-BCAB-43A9-8D4B-45AD9AD23724}" type="presParOf" srcId="{4B007FF7-2C63-41A5-B140-E1C04C209BF3}" destId="{5FA10B4C-675D-4B8F-9841-89D1A2BD03C6}" srcOrd="1" destOrd="0" presId="urn:microsoft.com/office/officeart/2005/8/layout/hProcess7"/>
+    <dgm:cxn modelId="{5D6C6E6C-64BC-449F-B33E-1544A196B115}" type="presParOf" srcId="{4B007FF7-2C63-41A5-B140-E1C04C209BF3}" destId="{0A92FB81-27FC-4A70-B331-9062F7A8C253}" srcOrd="2" destOrd="0" presId="urn:microsoft.com/office/officeart/2005/8/layout/hProcess7"/>
+    <dgm:cxn modelId="{011B155B-1430-4A43-BBE5-70AD023A1700}" type="presParOf" srcId="{0A92FB81-27FC-4A70-B331-9062F7A8C253}" destId="{B08EBAA6-BFD8-4BA2-A845-B27537B078EB}" srcOrd="0" destOrd="0" presId="urn:microsoft.com/office/officeart/2005/8/layout/hProcess7"/>
+    <dgm:cxn modelId="{04549474-F4D3-4C85-8B28-1F8152B541C1}" type="presParOf" srcId="{0A92FB81-27FC-4A70-B331-9062F7A8C253}" destId="{CA4700DC-E596-4A54-BC0E-9A26F9B6D1EE}" srcOrd="1" destOrd="0" presId="urn:microsoft.com/office/officeart/2005/8/layout/hProcess7"/>
+    <dgm:cxn modelId="{32B62812-4EFD-4044-8B21-FBA19F86C363}" type="presParOf" srcId="{0A92FB81-27FC-4A70-B331-9062F7A8C253}" destId="{683CB2B7-3ABB-43EA-9312-56D3E028C8C8}" srcOrd="2" destOrd="0" presId="urn:microsoft.com/office/officeart/2005/8/layout/hProcess7"/>
+    <dgm:cxn modelId="{FD9D1CE4-1288-4F5F-B6FE-9257D89CA093}" type="presParOf" srcId="{4B007FF7-2C63-41A5-B140-E1C04C209BF3}" destId="{1ED3ED9B-21C7-4AE1-B8A1-19BA508DF438}" srcOrd="3" destOrd="0" presId="urn:microsoft.com/office/officeart/2005/8/layout/hProcess7"/>
+    <dgm:cxn modelId="{B70FD2FB-AB7F-4038-AA94-A2C1F6DE354B}" type="presParOf" srcId="{4B007FF7-2C63-41A5-B140-E1C04C209BF3}" destId="{21B46113-1878-47E2-8DA0-1BF6BA0EB279}" srcOrd="4" destOrd="0" presId="urn:microsoft.com/office/officeart/2005/8/layout/hProcess7"/>
+    <dgm:cxn modelId="{34A27895-5555-49E2-8B21-A3CDBBF6EB83}" type="presParOf" srcId="{21B46113-1878-47E2-8DA0-1BF6BA0EB279}" destId="{C8107158-C0B6-4831-A6B7-65FF25ECB854}" srcOrd="0" destOrd="0" presId="urn:microsoft.com/office/officeart/2005/8/layout/hProcess7"/>
+    <dgm:cxn modelId="{DE44A1FD-0C56-410A-A1F9-CE1553073953}" type="presParOf" srcId="{21B46113-1878-47E2-8DA0-1BF6BA0EB279}" destId="{EC803A23-EA73-4DE8-8298-4592EF61AB82}" srcOrd="1" destOrd="0" presId="urn:microsoft.com/office/officeart/2005/8/layout/hProcess7"/>
+    <dgm:cxn modelId="{8D7EBF11-A4CD-4A50-8EF9-40E13F98EF46}" type="presParOf" srcId="{4B007FF7-2C63-41A5-B140-E1C04C209BF3}" destId="{16A91EC0-6463-428F-B4E1-49BCBDE75E6C}" srcOrd="5" destOrd="0" presId="urn:microsoft.com/office/officeart/2005/8/layout/hProcess7"/>
+    <dgm:cxn modelId="{C776FD2A-85BD-4D46-8F76-BBF0BB44AB20}" type="presParOf" srcId="{4B007FF7-2C63-41A5-B140-E1C04C209BF3}" destId="{EFF72897-475E-424F-A5A0-5C29AF92FFD5}" srcOrd="6" destOrd="0" presId="urn:microsoft.com/office/officeart/2005/8/layout/hProcess7"/>
+    <dgm:cxn modelId="{A7C82B67-0613-4196-AB45-B97488681859}" type="presParOf" srcId="{EFF72897-475E-424F-A5A0-5C29AF92FFD5}" destId="{F1D62313-305B-41C2-AC4D-55AE887D454B}" srcOrd="0" destOrd="0" presId="urn:microsoft.com/office/officeart/2005/8/layout/hProcess7"/>
+    <dgm:cxn modelId="{1755163A-6111-4669-B127-FF73CDDCB0E5}" type="presParOf" srcId="{EFF72897-475E-424F-A5A0-5C29AF92FFD5}" destId="{17FE67C7-10A1-413B-9CCC-1EDFD0B34BEF}" srcOrd="1" destOrd="0" presId="urn:microsoft.com/office/officeart/2005/8/layout/hProcess7"/>
+    <dgm:cxn modelId="{86D011FD-5368-4441-8B6E-A74EB749B3A0}" type="presParOf" srcId="{EFF72897-475E-424F-A5A0-5C29AF92FFD5}" destId="{9F38F4B8-85CA-4909-8E1D-5806DE1BFB9F}" srcOrd="2" destOrd="0" presId="urn:microsoft.com/office/officeart/2005/8/layout/hProcess7"/>
+    <dgm:cxn modelId="{A190B74C-6A97-4F49-B9FE-68CF65F2EA57}" type="presParOf" srcId="{4B007FF7-2C63-41A5-B140-E1C04C209BF3}" destId="{1B02F5AA-0C1B-4C5C-B16E-B29906632B86}" srcOrd="7" destOrd="0" presId="urn:microsoft.com/office/officeart/2005/8/layout/hProcess7"/>
+    <dgm:cxn modelId="{C7D38E0B-1E83-4B10-A5B7-65E20C5ED2FD}" type="presParOf" srcId="{4B007FF7-2C63-41A5-B140-E1C04C209BF3}" destId="{99400346-26DB-4C79-B7DD-A89DA71DCA04}" srcOrd="8" destOrd="0" presId="urn:microsoft.com/office/officeart/2005/8/layout/hProcess7"/>
+    <dgm:cxn modelId="{2D878BAD-E3E2-4840-930C-45F2CF939657}" type="presParOf" srcId="{99400346-26DB-4C79-B7DD-A89DA71DCA04}" destId="{D363A77D-F59E-4CC4-9C12-954448F7D558}" srcOrd="0" destOrd="0" presId="urn:microsoft.com/office/officeart/2005/8/layout/hProcess7"/>
+    <dgm:cxn modelId="{233587E4-CF32-445E-BB78-5ED408F51A8A}" type="presParOf" srcId="{99400346-26DB-4C79-B7DD-A89DA71DCA04}" destId="{C7EAA3E9-A54B-45BB-8EC5-AA71FE163EF3}" srcOrd="1" destOrd="0" presId="urn:microsoft.com/office/officeart/2005/8/layout/hProcess7"/>
+  </dgm:cxnLst>
+  <dgm:bg/>
+  <dgm:whole/>
+  <dgm:extLst>
+    <a:ext uri="http://schemas.microsoft.com/office/drawing/2008/diagram">
+      <dsp:dataModelExt xmlns:dsp="http://schemas.microsoft.com/office/drawing/2008/diagram" xmlns="" relId="rId10" minVer="http://schemas.openxmlformats.org/drawingml/2006/diagram"/>
+    </a:ext>
+  </dgm:extLst>
+</dgm:dataModel>
+</file>
+
+<file path=ppt/diagrams/drawing1.xml><?xml version="1.0" encoding="utf-8"?>
+<dsp:drawing xmlns:dgm="http://schemas.openxmlformats.org/drawingml/2006/diagram" xmlns:a="http://schemas.openxmlformats.org/drawingml/2006/main" xmlns:dsp="http://schemas.microsoft.com/office/drawing/2008/diagram">
+  <dsp:spTree>
+    <dsp:nvGrpSpPr>
+      <dsp:cNvPr id="0" name=""/>
+      <dsp:cNvGrpSpPr/>
+    </dsp:nvGrpSpPr>
+    <dsp:grpSpPr/>
+    <dsp:sp modelId="{6986CAE3-4B3A-416A-A988-71035D39FE58}">
+      <dsp:nvSpPr>
+        <dsp:cNvPr id="0" name=""/>
+        <dsp:cNvSpPr/>
+      </dsp:nvSpPr>
+      <dsp:spPr>
+        <a:xfrm>
+          <a:off x="7" y="0"/>
+          <a:ext cx="3283094" cy="2376264"/>
+        </a:xfrm>
+        <a:prstGeom prst="roundRect">
+          <a:avLst>
+            <a:gd name="adj" fmla="val 5000"/>
+          </a:avLst>
+        </a:prstGeom>
+        <a:blipFill rotWithShape="0">
+          <a:blip xmlns:r="http://schemas.openxmlformats.org/officeDocument/2006/relationships" r:embed="rId1"/>
+          <a:stretch>
+            <a:fillRect/>
+          </a:stretch>
+        </a:blipFill>
+        <a:ln w="25400" cap="flat" cmpd="sng" algn="ctr">
+          <a:solidFill>
+            <a:srgbClr val="C0C0C0"/>
+          </a:solidFill>
+          <a:prstDash val="solid"/>
+        </a:ln>
+        <a:effectLst/>
+      </dsp:spPr>
+      <dsp:style>
+        <a:lnRef idx="2">
+          <a:scrgbClr r="0" g="0" b="0"/>
+        </a:lnRef>
+        <a:fillRef idx="1">
+          <a:scrgbClr r="0" g="0" b="0"/>
+        </a:fillRef>
+        <a:effectRef idx="0">
+          <a:scrgbClr r="0" g="0" b="0"/>
+        </a:effectRef>
+        <a:fontRef idx="minor">
+          <a:schemeClr val="lt1"/>
+        </a:fontRef>
+      </dsp:style>
+      <dsp:txBody>
+        <a:bodyPr spcFirstLastPara="0" vert="horz" wrap="square" lIns="0" tIns="126873" rIns="164465" bIns="0" numCol="1" spcCol="1270" anchor="t" anchorCtr="0">
+          <a:noAutofit/>
+        </a:bodyPr>
+        <a:lstStyle/>
+        <a:p>
+          <a:pPr lvl="0" algn="r" defTabSz="1644650">
+            <a:lnSpc>
+              <a:spcPct val="90000"/>
+            </a:lnSpc>
+            <a:spcBef>
+              <a:spcPct val="0"/>
+            </a:spcBef>
+            <a:spcAft>
+              <a:spcPct val="35000"/>
+            </a:spcAft>
+          </a:pPr>
+          <a:endParaRPr lang="ru-RU" sz="3700" kern="1200" dirty="0"/>
+        </a:p>
+      </dsp:txBody>
+      <dsp:txXfrm rot="16200000">
+        <a:off x="-645950" y="645958"/>
+        <a:ext cx="1948536" cy="656618"/>
+      </dsp:txXfrm>
+    </dsp:sp>
+    <dsp:sp modelId="{C8107158-C0B6-4831-A6B7-65FF25ECB854}">
+      <dsp:nvSpPr>
+        <dsp:cNvPr id="0" name=""/>
+        <dsp:cNvSpPr/>
+      </dsp:nvSpPr>
+      <dsp:spPr>
+        <a:xfrm>
+          <a:off x="3398765" y="0"/>
+          <a:ext cx="3283094" cy="2376264"/>
+        </a:xfrm>
+        <a:prstGeom prst="roundRect">
+          <a:avLst>
+            <a:gd name="adj" fmla="val 5000"/>
+          </a:avLst>
+        </a:prstGeom>
+        <a:blipFill rotWithShape="0">
+          <a:blip xmlns:r="http://schemas.openxmlformats.org/officeDocument/2006/relationships" r:embed="rId2"/>
+          <a:stretch>
+            <a:fillRect/>
+          </a:stretch>
+        </a:blipFill>
+        <a:ln w="25400" cap="flat" cmpd="sng" algn="ctr">
+          <a:solidFill>
+            <a:srgbClr val="C0C0C0"/>
+          </a:solidFill>
+          <a:prstDash val="solid"/>
+        </a:ln>
+        <a:effectLst/>
+      </dsp:spPr>
+      <dsp:style>
+        <a:lnRef idx="2">
+          <a:scrgbClr r="0" g="0" b="0"/>
+        </a:lnRef>
+        <a:fillRef idx="1">
+          <a:scrgbClr r="0" g="0" b="0"/>
+        </a:fillRef>
+        <a:effectRef idx="0">
+          <a:scrgbClr r="0" g="0" b="0"/>
+        </a:effectRef>
+        <a:fontRef idx="minor">
+          <a:schemeClr val="lt1"/>
+        </a:fontRef>
+      </dsp:style>
+      <dsp:txBody>
+        <a:bodyPr spcFirstLastPara="0" vert="horz" wrap="square" lIns="0" tIns="126873" rIns="164465" bIns="0" numCol="1" spcCol="1270" anchor="t" anchorCtr="0">
+          <a:noAutofit/>
+        </a:bodyPr>
+        <a:lstStyle/>
+        <a:p>
+          <a:pPr lvl="0" algn="r" defTabSz="1644650">
+            <a:lnSpc>
+              <a:spcPct val="90000"/>
+            </a:lnSpc>
+            <a:spcBef>
+              <a:spcPct val="0"/>
+            </a:spcBef>
+            <a:spcAft>
+              <a:spcPct val="35000"/>
+            </a:spcAft>
+          </a:pPr>
+          <a:endParaRPr lang="ru-RU" sz="3700" kern="1200" dirty="0"/>
+        </a:p>
+      </dsp:txBody>
+      <dsp:txXfrm rot="16200000">
+        <a:off x="2752806" y="645958"/>
+        <a:ext cx="1948536" cy="656618"/>
+      </dsp:txXfrm>
+    </dsp:sp>
+    <dsp:sp modelId="{CA4700DC-E596-4A54-BC0E-9A26F9B6D1EE}">
+      <dsp:nvSpPr>
+        <dsp:cNvPr id="0" name=""/>
+        <dsp:cNvSpPr/>
+      </dsp:nvSpPr>
+      <dsp:spPr>
+        <a:xfrm rot="5400000">
+          <a:off x="3240566" y="1790935"/>
+          <a:ext cx="349228" cy="492464"/>
+        </a:xfrm>
+        <a:prstGeom prst="flowChartExtract">
+          <a:avLst/>
+        </a:prstGeom>
+        <a:solidFill>
+          <a:schemeClr val="tx1">
+            <a:lumMod val="50000"/>
+            <a:lumOff val="50000"/>
+          </a:schemeClr>
+        </a:solidFill>
+        <a:ln w="25400" cap="flat" cmpd="sng" algn="ctr">
+          <a:solidFill>
+            <a:schemeClr val="tx1">
+              <a:lumMod val="65000"/>
+              <a:lumOff val="35000"/>
+            </a:schemeClr>
+          </a:solidFill>
+          <a:prstDash val="solid"/>
+        </a:ln>
+        <a:effectLst/>
+      </dsp:spPr>
+      <dsp:style>
+        <a:lnRef idx="2">
+          <a:scrgbClr r="0" g="0" b="0"/>
+        </a:lnRef>
+        <a:fillRef idx="1">
+          <a:scrgbClr r="0" g="0" b="0"/>
+        </a:fillRef>
+        <a:effectRef idx="0">
+          <a:scrgbClr r="0" g="0" b="0"/>
+        </a:effectRef>
+        <a:fontRef idx="minor"/>
+      </dsp:style>
+    </dsp:sp>
+    <dsp:sp modelId="{D363A77D-F59E-4CC4-9C12-954448F7D558}">
+      <dsp:nvSpPr>
+        <dsp:cNvPr id="0" name=""/>
+        <dsp:cNvSpPr/>
+      </dsp:nvSpPr>
+      <dsp:spPr>
+        <a:xfrm>
+          <a:off x="6796767" y="0"/>
+          <a:ext cx="3283094" cy="2376264"/>
+        </a:xfrm>
+        <a:prstGeom prst="roundRect">
+          <a:avLst>
+            <a:gd name="adj" fmla="val 5000"/>
+          </a:avLst>
+        </a:prstGeom>
+        <a:blipFill rotWithShape="0">
+          <a:blip xmlns:r="http://schemas.openxmlformats.org/officeDocument/2006/relationships" r:embed="rId3"/>
+          <a:stretch>
+            <a:fillRect/>
+          </a:stretch>
+        </a:blipFill>
+        <a:ln w="25400" cap="flat" cmpd="sng" algn="ctr">
+          <a:solidFill>
+            <a:srgbClr val="C0C0C0"/>
+          </a:solidFill>
+          <a:prstDash val="solid"/>
+        </a:ln>
+        <a:effectLst/>
+      </dsp:spPr>
+      <dsp:style>
+        <a:lnRef idx="2">
+          <a:scrgbClr r="0" g="0" b="0"/>
+        </a:lnRef>
+        <a:fillRef idx="1">
+          <a:scrgbClr r="0" g="0" b="0"/>
+        </a:fillRef>
+        <a:effectRef idx="0">
+          <a:scrgbClr r="0" g="0" b="0"/>
+        </a:effectRef>
+        <a:fontRef idx="minor">
+          <a:schemeClr val="lt1"/>
+        </a:fontRef>
+      </dsp:style>
+      <dsp:txBody>
+        <a:bodyPr spcFirstLastPara="0" vert="horz" wrap="square" lIns="0" tIns="126873" rIns="164465" bIns="0" numCol="1" spcCol="1270" anchor="t" anchorCtr="0">
+          <a:noAutofit/>
+        </a:bodyPr>
+        <a:lstStyle/>
+        <a:p>
+          <a:pPr lvl="0" algn="r" defTabSz="1644650">
+            <a:lnSpc>
+              <a:spcPct val="90000"/>
+            </a:lnSpc>
+            <a:spcBef>
+              <a:spcPct val="0"/>
+            </a:spcBef>
+            <a:spcAft>
+              <a:spcPct val="35000"/>
+            </a:spcAft>
+          </a:pPr>
+          <a:endParaRPr lang="ru-RU" sz="3700" kern="1200"/>
+        </a:p>
+      </dsp:txBody>
+      <dsp:txXfrm rot="16200000">
+        <a:off x="6150809" y="645958"/>
+        <a:ext cx="1948536" cy="656618"/>
+      </dsp:txXfrm>
+    </dsp:sp>
+    <dsp:sp modelId="{17FE67C7-10A1-413B-9CCC-1EDFD0B34BEF}">
+      <dsp:nvSpPr>
+        <dsp:cNvPr id="0" name=""/>
+        <dsp:cNvSpPr/>
+      </dsp:nvSpPr>
+      <dsp:spPr>
+        <a:xfrm rot="5400000">
+          <a:off x="6638569" y="1790935"/>
+          <a:ext cx="349228" cy="492464"/>
+        </a:xfrm>
+        <a:prstGeom prst="flowChartExtract">
+          <a:avLst/>
+        </a:prstGeom>
+        <a:solidFill>
+          <a:schemeClr val="tx1">
+            <a:lumMod val="50000"/>
+            <a:lumOff val="50000"/>
+          </a:schemeClr>
+        </a:solidFill>
+        <a:ln w="25400" cap="flat" cmpd="sng" algn="ctr">
+          <a:solidFill>
+            <a:schemeClr val="tx1">
+              <a:lumMod val="65000"/>
+              <a:lumOff val="35000"/>
+            </a:schemeClr>
+          </a:solidFill>
+          <a:prstDash val="solid"/>
+        </a:ln>
+        <a:effectLst/>
+      </dsp:spPr>
+      <dsp:style>
+        <a:lnRef idx="2">
+          <a:scrgbClr r="0" g="0" b="0"/>
+        </a:lnRef>
+        <a:fillRef idx="1">
+          <a:scrgbClr r="0" g="0" b="0"/>
+        </a:fillRef>
+        <a:effectRef idx="0">
+          <a:scrgbClr r="0" g="0" b="0"/>
+        </a:effectRef>
+        <a:fontRef idx="minor"/>
+      </dsp:style>
+    </dsp:sp>
+  </dsp:spTree>
+</dsp:drawing>
+</file>
+
+<file path=ppt/diagrams/layout1.xml><?xml version="1.0" encoding="utf-8"?>
+<dgm:layoutDef xmlns:dgm="http://schemas.openxmlformats.org/drawingml/2006/diagram" xmlns:a="http://schemas.openxmlformats.org/drawingml/2006/main" uniqueId="urn:microsoft.com/office/officeart/2005/8/layout/hProcess7">
+  <dgm:title val=""/>
+  <dgm:desc val=""/>
+  <dgm:catLst>
+    <dgm:cat type="process" pri="21000"/>
+    <dgm:cat type="list" pri="9000"/>
+  </dgm:catLst>
+  <dgm:sampData>
+    <dgm:dataModel>
+      <dgm:ptLst>
+        <dgm:pt modelId="0" type="doc"/>
+        <dgm:pt modelId="1">
+          <dgm:prSet phldr="1"/>
+        </dgm:pt>
+        <dgm:pt modelId="11">
+          <dgm:prSet phldr="1"/>
+        </dgm:pt>
+        <dgm:pt modelId="2">
+          <dgm:prSet phldr="1"/>
+        </dgm:pt>
+        <dgm:pt modelId="21">
+          <dgm:prSet phldr="1"/>
+        </dgm:pt>
+        <dgm:pt modelId="3">
+          <dgm:prSet phldr="1"/>
+        </dgm:pt>
+        <dgm:pt modelId="31">
+          <dgm:prSet phldr="1"/>
+        </dgm:pt>
+      </dgm:ptLst>
+      <dgm:cxnLst>
+        <dgm:cxn modelId="4" srcId="0" destId="1" srcOrd="0" destOrd="0"/>
+        <dgm:cxn modelId="5" srcId="0" destId="2" srcOrd="1" destOrd="0"/>
+        <dgm:cxn modelId="6" srcId="0" destId="3" srcOrd="2" destOrd="0"/>
+        <dgm:cxn modelId="13" srcId="1" destId="11" srcOrd="0" destOrd="0"/>
+        <dgm:cxn modelId="23" srcId="2" destId="21" srcOrd="0" destOrd="0"/>
+        <dgm:cxn modelId="33" srcId="3" destId="31" srcOrd="0" destOrd="0"/>
+      </dgm:cxnLst>
+      <dgm:bg/>
+      <dgm:whole/>
+    </dgm:dataModel>
+  </dgm:sampData>
+  <dgm:styleData>
+    <dgm:dataModel>
+      <dgm:ptLst>
+        <dgm:pt modelId="0" type="doc"/>
+        <dgm:pt modelId="1"/>
+        <dgm:pt modelId="11"/>
+        <dgm:pt modelId="2"/>
+        <dgm:pt modelId="21"/>
+      </dgm:ptLst>
+      <dgm:cxnLst>
+        <dgm:cxn modelId="4" srcId="0" destId="1" srcOrd="0" destOrd="0"/>
+        <dgm:cxn modelId="5" srcId="0" destId="2" srcOrd="1" destOrd="0"/>
+        <dgm:cxn modelId="13" srcId="1" destId="11" srcOrd="0" destOrd="0"/>
+        <dgm:cxn modelId="23" srcId="2" destId="21" srcOrd="0" destOrd="0"/>
+      </dgm:cxnLst>
+      <dgm:bg/>
+      <dgm:whole/>
+    </dgm:dataModel>
+  </dgm:styleData>
+  <dgm:clrData>
+    <dgm:dataModel>
+      <dgm:ptLst>
+        <dgm:pt modelId="0" type="doc"/>
+        <dgm:pt modelId="1"/>
+        <dgm:pt modelId="11"/>
+        <dgm:pt modelId="2"/>
+        <dgm:pt modelId="21"/>
+        <dgm:pt modelId="3"/>
+        <dgm:pt modelId="31"/>
+        <dgm:pt modelId="4"/>
+        <dgm:pt modelId="41"/>
+      </dgm:ptLst>
+      <dgm:cxnLst>
+        <dgm:cxn modelId="5" srcId="0" destId="1" srcOrd="0" destOrd="0"/>
+        <dgm:cxn modelId="6" srcId="0" destId="2" srcOrd="1" destOrd="0"/>
+        <dgm:cxn modelId="7" srcId="0" destId="3" srcOrd="2" destOrd="0"/>
+        <dgm:cxn modelId="8" srcId="0" destId="4" srcOrd="3" destOrd="0"/>
+        <dgm:cxn modelId="13" srcId="1" destId="11" srcOrd="0" destOrd="0"/>
+        <dgm:cxn modelId="23" srcId="2" destId="21" srcOrd="0" destOrd="0"/>
+        <dgm:cxn modelId="33" srcId="3" destId="31" srcOrd="0" destOrd="0"/>
+        <dgm:cxn modelId="43" srcId="4" destId="41" srcOrd="0" destOrd="0"/>
+      </dgm:cxnLst>
+      <dgm:bg/>
+      <dgm:whole/>
+    </dgm:dataModel>
+  </dgm:clrData>
+  <dgm:layoutNode name="Name0">
+    <dgm:varLst>
+      <dgm:dir/>
+      <dgm:animLvl val="lvl"/>
+      <dgm:resizeHandles val="exact"/>
+    </dgm:varLst>
+    <dgm:choose name="Name1">
+      <dgm:if name="Name2" func="var" arg="dir" op="equ" val="norm">
+        <dgm:alg type="lin">
+          <dgm:param type="linDir" val="fromL"/>
+          <dgm:param type="nodeVertAlign" val="t"/>
+        </dgm:alg>
+      </dgm:if>
+      <dgm:else name="Name3">
+        <dgm:alg type="lin">
+          <dgm:param type="linDir" val="fromR"/>
+          <dgm:param type="nodeVertAlign" val="t"/>
+        </dgm:alg>
+      </dgm:else>
+    </dgm:choose>
+    <dgm:shape xmlns:r="http://schemas.openxmlformats.org/officeDocument/2006/relationships" r:blip="">
+      <dgm:adjLst/>
+    </dgm:shape>
+    <dgm:presOf/>
+    <dgm:constrLst>
+      <dgm:constr type="h" for="ch" forName="compositeNode" refType="h"/>
+      <dgm:constr type="w" for="ch" forName="compositeNode" refType="w"/>
+      <dgm:constr type="w" for="ch" forName="hSp" refType="w" refFor="ch" refForName="compositeNode" fact="-0.035"/>
+      <dgm:constr type="w" for="des" forName="simulatedConn" refType="w" refFor="ch" refForName="compositeNode" fact="0.15"/>
+      <dgm:constr type="h" for="des" forName="simulatedConn" refType="w" refFor="des" refForName="simulatedConn"/>
+      <dgm:constr type="h" for="des" forName="vSp1" refType="w" refFor="ch" refForName="compositeNode" fact="0.8"/>
+      <dgm:constr type="h" for="des" forName="vSp2" refType="w" refFor="ch" refForName="compositeNode" fact="0.07"/>
+      <dgm:constr type="w" for="ch" forName="vProcSp" refType="w" refFor="des" refForName="simulatedConn" op="equ"/>
+      <dgm:constr type="h" for="ch" forName="vProcSp" refType="h" refFor="ch" refForName="compositeNode" op="equ"/>
+      <dgm:constr type="w" for="ch" forName="sibTrans" refType="w" refFor="ch" refForName="compositeNode" fact="-0.08"/>
+      <dgm:constr type="primFontSz" for="des" forName="parentNode" op="equ"/>
+      <dgm:constr type="primFontSz" for="des" forName="childNode" op="equ"/>
+    </dgm:constrLst>
+    <dgm:ruleLst/>
+    <dgm:forEach name="Name4" axis="ch" ptType="node">
+      <dgm:layoutNode name="compositeNode">
+        <dgm:varLst>
+          <dgm:bulletEnabled val="1"/>
+        </dgm:varLst>
+        <dgm:alg type="composite"/>
+        <dgm:choose name="Name5">
+          <dgm:if name="Name6" func="var" arg="dir" op="equ" val="norm">
+            <dgm:constrLst>
+              <dgm:constr type="h" refType="w" op="lte" fact="1.2"/>
+              <dgm:constr type="w" for="ch" forName="bgRect" refType="w"/>
+              <dgm:constr type="h" for="ch" forName="bgRect" refType="h"/>
+              <dgm:constr type="t" for="ch" forName="bgRect"/>
+              <dgm:constr type="l" for="ch" forName="bgRect"/>
+              <dgm:constr type="w" for="ch" forName="parentNode" refType="w" refFor="ch" refForName="bgRect" fact="0.2"/>
+              <dgm:constr type="h" for="ch" forName="parentNode" refType="h" fact="0.82"/>
+              <dgm:constr type="t" for="ch" forName="parentNode"/>
+              <dgm:constr type="l" for="ch" forName="parentNode"/>
+              <dgm:constr type="r" for="ch" forName="childNode" refType="r" refFor="ch" refForName="bgRect" fact="0.945"/>
+              <dgm:constr type="h" for="ch" forName="childNode" refType="h" refFor="ch" refForName="bgRect" op="equ"/>
+              <dgm:constr type="t" for="ch" forName="childNode"/>
+              <dgm:constr type="l" for="ch" forName="childNode" refType="r" refFor="ch" refForName="parentNode"/>
+            </dgm:constrLst>
+          </dgm:if>
+          <dgm:else name="Name7">
+            <dgm:constrLst>
+              <dgm:constr type="h" refType="w" op="lte" fact="1.2"/>
+              <dgm:constr type="w" for="ch" forName="bgRect" refType="w"/>
+              <dgm:constr type="h" for="ch" forName="bgRect" refType="h"/>
+              <dgm:constr type="t" for="ch" forName="bgRect"/>
+              <dgm:constr type="r" for="ch" forName="bgRect" refType="w"/>
+              <dgm:constr type="w" for="ch" forName="parentNode" refType="w" refFor="ch" refForName="bgRect" fact="0.2"/>
+              <dgm:constr type="h" for="ch" forName="parentNode" refType="h" fact="0.82"/>
+              <dgm:constr type="t" for="ch" forName="parentNode"/>
+              <dgm:constr type="r" for="ch" forName="parentNode" refType="w"/>
+              <dgm:constr type="h" for="ch" forName="childNode" refType="h" refFor="ch" refForName="bgRect"/>
+              <dgm:constr type="t" for="ch" forName="childNode"/>
+              <dgm:constr type="r" for="ch" forName="childNode" refType="l" refFor="ch" refForName="parentNode"/>
+              <dgm:constr type="l" for="ch" forName="childNode" refType="w" refFor="ch" refForName="bgRect" fact="0.055"/>
+            </dgm:constrLst>
+          </dgm:else>
+        </dgm:choose>
+        <dgm:ruleLst>
+          <dgm:rule type="w" for="ch" forName="childNode" val="NaN" fact="NaN" max="30"/>
+        </dgm:ruleLst>
+        <dgm:layoutNode name="bgRect" styleLbl="node1">
+          <dgm:alg type="sp"/>
+          <dgm:shape xmlns:r="http://schemas.openxmlformats.org/officeDocument/2006/relationships" type="roundRect" r:blip="" zOrderOff="-1">
+            <dgm:adjLst>
+              <dgm:adj idx="1" val="0.05"/>
+            </dgm:adjLst>
+          </dgm:shape>
+          <dgm:presOf axis="self"/>
+          <dgm:constrLst/>
+          <dgm:ruleLst/>
+        </dgm:layoutNode>
+        <dgm:layoutNode name="parentNode" styleLbl="node1">
+          <dgm:varLst>
+            <dgm:chMax val="0"/>
+            <dgm:bulletEnabled val="1"/>
+          </dgm:varLst>
+          <dgm:choose name="Name8">
+            <dgm:if name="Name9" func="var" arg="dir" op="equ" val="norm">
+              <dgm:alg type="tx">
+                <dgm:param type="autoTxRot" val="grav"/>
+                <dgm:param type="txAnchorVert" val="t"/>
+                <dgm:param type="parTxLTRAlign" val="r"/>
+                <dgm:param type="parTxRTLAlign" val="r"/>
+              </dgm:alg>
+              <dgm:shape xmlns:r="http://schemas.openxmlformats.org/officeDocument/2006/relationships" rot="270" type="rect" r:blip="" hideGeom="1">
+                <dgm:adjLst/>
+              </dgm:shape>
+              <dgm:presOf axis="self"/>
+              <dgm:constrLst>
+                <dgm:constr type="primFontSz" val="65"/>
+                <dgm:constr type="lMarg"/>
+                <dgm:constr type="rMarg" refType="primFontSz" fact="0.35"/>
+                <dgm:constr type="tMarg" refType="primFontSz" fact="0.27"/>
+                <dgm:constr type="bMarg"/>
+              </dgm:constrLst>
+            </dgm:if>
+            <dgm:else name="Name10">
+              <dgm:alg type="tx">
+                <dgm:param type="autoTxRot" val="grav"/>
+                <dgm:param type="txAnchorVert" val="t"/>
+                <dgm:param type="parTxLTRAlign" val="l"/>
+                <dgm:param type="parTxRTLAlign" val="l"/>
+              </dgm:alg>
+              <dgm:shape xmlns:r="http://schemas.openxmlformats.org/officeDocument/2006/relationships" rot="90" type="rect" r:blip="" hideGeom="1">
+                <dgm:adjLst/>
+              </dgm:shape>
+              <dgm:presOf axis="self"/>
+              <dgm:constrLst>
+                <dgm:constr type="primFontSz" val="65"/>
+                <dgm:constr type="lMarg" refType="primFontSz" fact="0.35"/>
+                <dgm:constr type="rMarg"/>
+                <dgm:constr type="tMarg" refType="primFontSz" fact="0.27"/>
+                <dgm:constr type="bMarg"/>
+              </dgm:constrLst>
+            </dgm:else>
+          </dgm:choose>
+          <dgm:ruleLst>
+            <dgm:rule type="primFontSz" val="5" fact="NaN" max="NaN"/>
+          </dgm:ruleLst>
+        </dgm:layoutNode>
+        <dgm:choose name="Name11">
+          <dgm:if name="Name12" axis="ch" ptType="node" func="cnt" op="gte" val="1">
+            <dgm:layoutNode name="childNode" styleLbl="node1" moveWith="bgRect">
+              <dgm:varLst>
+                <dgm:bulletEnabled val="1"/>
+              </dgm:varLst>
+              <dgm:alg type="tx">
+                <dgm:param type="parTxLTRAlign" val="l"/>
+                <dgm:param type="parTxRTLAlign" val="r"/>
+                <dgm:param type="txAnchorVert" val="t"/>
+              </dgm:alg>
+              <dgm:shape xmlns:r="http://schemas.openxmlformats.org/officeDocument/2006/relationships" type="rect" r:blip="" hideGeom="1">
+                <dgm:adjLst/>
+              </dgm:shape>
+              <dgm:presOf axis="des" ptType="node"/>
+              <dgm:constrLst>
+                <dgm:constr type="primFontSz" val="65"/>
+                <dgm:constr type="lMarg"/>
+                <dgm:constr type="bMarg"/>
+                <dgm:constr type="tMarg" refType="primFontSz" fact="0.27"/>
+                <dgm:constr type="rMarg"/>
+              </dgm:constrLst>
+              <dgm:ruleLst>
+                <dgm:rule type="primFontSz" val="5" fact="NaN" max="NaN"/>
+              </dgm:ruleLst>
+            </dgm:layoutNode>
+          </dgm:if>
+          <dgm:else name="Name13"/>
+        </dgm:choose>
+      </dgm:layoutNode>
+      <dgm:forEach name="Name14" axis="followSib" ptType="sibTrans" cnt="1">
+        <dgm:layoutNode name="hSp">
+          <dgm:alg type="sp"/>
+          <dgm:shape xmlns:r="http://schemas.openxmlformats.org/officeDocument/2006/relationships" r:blip="">
+            <dgm:adjLst/>
+          </dgm:shape>
+          <dgm:presOf/>
+          <dgm:constrLst/>
+          <dgm:ruleLst/>
+        </dgm:layoutNode>
+        <dgm:layoutNode name="vProcSp" moveWith="bgRect">
+          <dgm:alg type="lin">
+            <dgm:param type="linDir" val="fromT"/>
+          </dgm:alg>
+          <dgm:shape xmlns:r="http://schemas.openxmlformats.org/officeDocument/2006/relationships" r:blip="">
+            <dgm:adjLst/>
+          </dgm:shape>
+          <dgm:presOf/>
+          <dgm:constrLst>
+            <dgm:constr type="w" for="ch" forName="vSp1" refType="w"/>
+            <dgm:constr type="w" for="ch" forName="simulatedConn" refType="w"/>
+            <dgm:constr type="w" for="ch" forName="vSp2" refType="w"/>
+          </dgm:constrLst>
+          <dgm:ruleLst/>
+          <dgm:layoutNode name="vSp1">
+            <dgm:alg type="sp"/>
+            <dgm:shape xmlns:r="http://schemas.openxmlformats.org/officeDocument/2006/relationships" r:blip="">
+              <dgm:adjLst/>
+            </dgm:shape>
+            <dgm:presOf/>
+            <dgm:constrLst/>
+            <dgm:ruleLst/>
+          </dgm:layoutNode>
+          <dgm:layoutNode name="simulatedConn" styleLbl="solidFgAcc1">
+            <dgm:alg type="sp"/>
+            <dgm:choose name="Name15">
+              <dgm:if name="Name16" func="var" arg="dir" op="equ" val="norm">
+                <dgm:shape xmlns:r="http://schemas.openxmlformats.org/officeDocument/2006/relationships" rot="90" type="flowChartExtract" r:blip="">
+                  <dgm:adjLst/>
+                </dgm:shape>
+              </dgm:if>
+              <dgm:else name="Name17">
+                <dgm:shape xmlns:r="http://schemas.openxmlformats.org/officeDocument/2006/relationships" rot="-90" type="flowChartExtract" r:blip="">
+                  <dgm:adjLst/>
+                </dgm:shape>
+              </dgm:else>
+            </dgm:choose>
+            <dgm:presOf/>
+            <dgm:constrLst/>
+            <dgm:ruleLst/>
+          </dgm:layoutNode>
+          <dgm:layoutNode name="vSp2">
+            <dgm:alg type="sp"/>
+            <dgm:shape xmlns:r="http://schemas.openxmlformats.org/officeDocument/2006/relationships" r:blip="">
+              <dgm:adjLst/>
+            </dgm:shape>
+            <dgm:presOf/>
+            <dgm:constrLst/>
+            <dgm:ruleLst/>
+          </dgm:layoutNode>
+        </dgm:layoutNode>
+        <dgm:layoutNode name="sibTrans">
+          <dgm:alg type="sp"/>
+          <dgm:shape xmlns:r="http://schemas.openxmlformats.org/officeDocument/2006/relationships" r:blip="">
+            <dgm:adjLst/>
+          </dgm:shape>
+          <dgm:presOf/>
+          <dgm:constrLst/>
+          <dgm:ruleLst/>
+        </dgm:layoutNode>
+      </dgm:forEach>
+    </dgm:forEach>
+  </dgm:layoutNode>
+</dgm:layoutDef>
+</file>
+
+<file path=ppt/diagrams/quickStyle1.xml><?xml version="1.0" encoding="utf-8"?>
+<dgm:styleDef xmlns:dgm="http://schemas.openxmlformats.org/drawingml/2006/diagram" xmlns:a="http://schemas.openxmlformats.org/drawingml/2006/main" uniqueId="urn:microsoft.com/office/officeart/2005/8/quickstyle/simple1">
+  <dgm:title val=""/>
+  <dgm:desc val=""/>
+  <dgm:catLst>
+    <dgm:cat type="simple" pri="10100"/>
+  </dgm:catLst>
+  <dgm:scene3d>
+    <a:camera prst="orthographicFront"/>
+    <a:lightRig rig="threePt" dir="t"/>
+  </dgm:scene3d>
+  <dgm:styleLbl name="node0">
+    <dgm:scene3d>
+      <a:camera prst="orthographicFront"/>
+      <a:lightRig rig="threePt" dir="t"/>
+    </dgm:scene3d>
+    <dgm:sp3d/>
+    <dgm:txPr/>
+    <dgm:style>
+      <a:lnRef idx="2">
+        <a:scrgbClr r="0" g="0" b="0"/>
+      </a:lnRef>
+      <a:fillRef idx="1">
+        <a:scrgbClr r="0" g="0" b="0"/>
+      </a:fillRef>
+      <a:effectRef idx="0">
+        <a:scrgbClr r="0" g="0" b="0"/>
+      </a:effectRef>
+      <a:fontRef idx="minor">
+        <a:schemeClr val="lt1"/>
+      </a:fontRef>
+    </dgm:style>
+  </dgm:styleLbl>
+  <dgm:styleLbl name="lnNode1">
+    <dgm:scene3d>
+      <a:camera prst="orthographicFront"/>
+      <a:lightRig rig="threePt" dir="t"/>
+    </dgm:scene3d>
+    <dgm:sp3d/>
+    <dgm:txPr/>
+    <dgm:style>
+      <a:lnRef idx="2">
+        <a:scrgbClr r="0" g="0" b="0"/>
+      </a:lnRef>
+      <a:fillRef idx="1">
+        <a:scrgbClr r="0" g="0" b="0"/>
+      </a:fillRef>
+      <a:effectRef idx="0">
+        <a:scrgbClr r="0" g="0" b="0"/>
+      </a:effectRef>
+      <a:fontRef idx="minor">
+        <a:schemeClr val="lt1"/>
+      </a:fontRef>
+    </dgm:style>
+  </dgm:styleLbl>
+  <dgm:styleLbl name="vennNode1">
+    <dgm:scene3d>
+      <a:camera prst="orthographicFront"/>
+      <a:lightRig rig="threePt" dir="t"/>
+    </dgm:scene3d>
+    <dgm:sp3d/>
+    <dgm:txPr/>
+    <dgm:style>
+      <a:lnRef idx="2">
+        <a:scrgbClr r="0" g="0" b="0"/>
+      </a:lnRef>
+      <a:fillRef idx="1">
+        <a:scrgbClr r="0" g="0" b="0"/>
+      </a:fillRef>
+      <a:effectRef idx="0">
+        <a:scrgbClr r="0" g="0" b="0"/>
+      </a:effectRef>
+      <a:fontRef idx="minor">
+        <a:schemeClr val="tx1"/>
+      </a:fontRef>
+    </dgm:style>
+  </dgm:styleLbl>
+  <dgm:styleLbl name="alignNode1">
+    <dgm:scene3d>
+      <a:camera prst="orthographicFront"/>
+      <a:lightRig rig="threePt" dir="t"/>
+    </dgm:scene3d>
+    <dgm:sp3d/>
+    <dgm:txPr/>
+    <dgm:style>
+      <a:lnRef idx="2">
+        <a:scrgbClr r="0" g="0" b="0"/>
+      </a:lnRef>
+      <a:fillRef idx="1">
+        <a:scrgbClr r="0" g="0" b="0"/>
+      </a:fillRef>
+      <a:effectRef idx="0">
+        <a:scrgbClr r="0" g="0" b="0"/>
+      </a:effectRef>
+      <a:fontRef idx="minor">
+        <a:schemeClr val="lt1"/>
+      </a:fontRef>
+    </dgm:style>
+  </dgm:styleLbl>
+  <dgm:styleLbl name="node1">
+    <dgm:scene3d>
+      <a:camera prst="orthographicFront"/>
+      <a:lightRig rig="threePt" dir="t"/>
+    </dgm:scene3d>
+    <dgm:sp3d/>
+    <dgm:txPr/>
+    <dgm:style>
+      <a:lnRef idx="2">
+        <a:scrgbClr r="0" g="0" b="0"/>
+      </a:lnRef>
+      <a:fillRef idx="1">
+        <a:scrgbClr r="0" g="0" b="0"/>
+      </a:fillRef>
+      <a:effectRef idx="0">
+        <a:scrgbClr r="0" g="0" b="0"/>
+      </a:effectRef>
+      <a:fontRef idx="minor">
+        <a:schemeClr val="lt1"/>
+      </a:fontRef>
+    </dgm:style>
+  </dgm:styleLbl>
+  <dgm:styleLbl name="node2">
+    <dgm:scene3d>
+      <a:camera prst="orthographicFront"/>
+      <a:lightRig rig="threePt" dir="t"/>
+    </dgm:scene3d>
+    <dgm:sp3d/>
+    <dgm:txPr/>
+    <dgm:style>
+      <a:lnRef idx="2">
+        <a:scrgbClr r="0" g="0" b="0"/>
+      </a:lnRef>
+      <a:fillRef idx="1">
+        <a:scrgbClr r="0" g="0" b="0"/>
+      </a:fillRef>
+      <a:effectRef idx="0">
+        <a:scrgbClr r="0" g="0" b="0"/>
+      </a:effectRef>
+      <a:fontRef idx="minor">
+        <a:schemeClr val="lt1"/>
+      </a:fontRef>
+    </dgm:style>
+  </dgm:styleLbl>
+  <dgm:styleLbl name="node3">
+    <dgm:scene3d>
+      <a:camera prst="orthographicFront"/>
+      <a:lightRig rig="threePt" dir="t"/>
+    </dgm:scene3d>
+    <dgm:sp3d/>
+    <dgm:txPr/>
+    <dgm:style>
+      <a:lnRef idx="2">
+        <a:scrgbClr r="0" g="0" b="0"/>
+      </a:lnRef>
+      <a:fillRef idx="1">
+        <a:scrgbClr r="0" g="0" b="0"/>
+      </a:fillRef>
+      <a:effectRef idx="0">
+        <a:scrgbClr r="0" g="0" b="0"/>
+      </a:effectRef>
+      <a:fontRef idx="minor">
+        <a:schemeClr val="lt1"/>
+      </a:fontRef>
+    </dgm:style>
+  </dgm:styleLbl>
+  <dgm:styleLbl name="node4">
+    <dgm:scene3d>
+      <a:camera prst="orthographicFront"/>
+      <a:lightRig rig="threePt" dir="t"/>
+    </dgm:scene3d>
+    <dgm:sp3d/>
+    <dgm:txPr/>
+    <dgm:style>
+      <a:lnRef idx="2">
+        <a:scrgbClr r="0" g="0" b="0"/>
+      </a:lnRef>
+      <a:fillRef idx="1">
+        <a:scrgbClr r="0" g="0" b="0"/>
+      </a:fillRef>
+      <a:effectRef idx="0">
+        <a:scrgbClr r="0" g="0" b="0"/>
+      </a:effectRef>
+      <a:fontRef idx="minor">
+        <a:schemeClr val="lt1"/>
+      </a:fontRef>
+    </dgm:style>
+  </dgm:styleLbl>
+  <dgm:styleLbl name="fgImgPlace1">
+    <dgm:scene3d>
+      <a:camera prst="orthographicFront"/>
+      <a:lightRig rig="threePt" dir="t"/>
+    </dgm:scene3d>
+    <dgm:sp3d/>
+    <dgm:txPr/>
+    <dgm:style>
+      <a:lnRef idx="2">
+        <a:scrgbClr r="0" g="0" b="0"/>
+      </a:lnRef>
+      <a:fillRef idx="1">
+        <a:scrgbClr r="0" g="0" b="0"/>
+      </a:fillRef>
+      <a:effectRef idx="0">
+        <a:scrgbClr r="0" g="0" b="0"/>
+      </a:effectRef>
+      <a:fontRef idx="minor"/>
+    </dgm:style>
+  </dgm:styleLbl>
+  <dgm:styleLbl name="alignImgPlace1">
+    <dgm:scene3d>
+      <a:camera prst="orthographicFront"/>
+      <a:lightRig rig="threePt" dir="t"/>
+    </dgm:scene3d>
+    <dgm:sp3d/>
+    <dgm:txPr/>
+    <dgm:style>
+      <a:lnRef idx="2">
+        <a:scrgbClr r="0" g="0" b="0"/>
+      </a:lnRef>
+      <a:fillRef idx="1">
+        <a:scrgbClr r="0" g="0" b="0"/>
+      </a:fillRef>
+      <a:effectRef idx="0">
+        <a:scrgbClr r="0" g="0" b="0"/>
+      </a:effectRef>
+      <a:fontRef idx="minor"/>
+    </dgm:style>
+  </dgm:styleLbl>
+  <dgm:styleLbl name="bgImgPlace1">
+    <dgm:scene3d>
+      <a:camera prst="orthographicFront"/>
+      <a:lightRig rig="threePt" dir="t"/>
+    </dgm:scene3d>
+    <dgm:sp3d/>
+    <dgm:txPr/>
+    <dgm:style>
+      <a:lnRef idx="2">
+        <a:scrgbClr r="0" g="0" b="0"/>
+      </a:lnRef>
+      <a:fillRef idx="1">
+        <a:scrgbClr r="0" g="0" b="0"/>
+      </a:fillRef>
+      <a:effectRef idx="0">
+        <a:scrgbClr r="0" g="0" b="0"/>
+      </a:effectRef>
+      <a:fontRef idx="minor"/>
+    </dgm:style>
+  </dgm:styleLbl>
+  <dgm:styleLbl name="sibTrans2D1">
+    <dgm:scene3d>
+      <a:camera prst="orthographicFront"/>
+      <a:lightRig rig="threePt" dir="t"/>
+    </dgm:scene3d>
+    <dgm:sp3d/>
+    <dgm:txPr/>
+    <dgm:style>
+      <a:lnRef idx="0">
+        <a:scrgbClr r="0" g="0" b="0"/>
+      </a:lnRef>
+      <a:fillRef idx="1">
+        <a:scrgbClr r="0" g="0" b="0"/>
+      </a:fillRef>
+      <a:effectRef idx="0">
+        <a:scrgbClr r="0" g="0" b="0"/>
+      </a:effectRef>
+      <a:fontRef idx="minor">
+        <a:schemeClr val="lt1"/>
+      </a:fontRef>
+    </dgm:style>
+  </dgm:styleLbl>
+  <dgm:styleLbl name="fgSibTrans2D1">
+    <dgm:scene3d>
+      <a:camera prst="orthographicFront"/>
+      <a:lightRig rig="threePt" dir="t"/>
+    </dgm:scene3d>
+    <dgm:sp3d/>
+    <dgm:txPr/>
+    <dgm:style>
+      <a:lnRef idx="0">
+        <a:scrgbClr r="0" g="0" b="0"/>
+      </a:lnRef>
+      <a:fillRef idx="1">
+        <a:scrgbClr r="0" g="0" b="0"/>
+      </a:fillRef>
+      <a:effectRef idx="0">
+        <a:scrgbClr r="0" g="0" b="0"/>
+      </a:effectRef>
+      <a:fontRef idx="minor">
+        <a:schemeClr val="lt1"/>
+      </a:fontRef>
+    </dgm:style>
+  </dgm:styleLbl>
+  <dgm:styleLbl name="bgSibTrans2D1">
+    <dgm:scene3d>
+      <a:camera prst="orthographicFront"/>
+      <a:lightRig rig="threePt" dir="t"/>
+    </dgm:scene3d>
+    <dgm:sp3d/>
+    <dgm:txPr/>
+    <dgm:style>
+      <a:lnRef idx="0">
+        <a:scrgbClr r="0" g="0" b="0"/>
+      </a:lnRef>
+      <a:fillRef idx="1">
+        <a:scrgbClr r="0" g="0" b="0"/>
+      </a:fillRef>
+      <a:effectRef idx="0">
+        <a:scrgbClr r="0" g="0" b="0"/>
+      </a:effectRef>
+      <a:fontRef idx="minor">
+        <a:schemeClr val="lt1"/>
+      </a:fontRef>
+    </dgm:style>
+  </dgm:styleLbl>
+  <dgm:styleLbl name="sibTrans1D1">
+    <dgm:scene3d>
+      <a:camera prst="orthographicFront"/>
+      <a:lightRig rig="threePt" dir="t"/>
+    </dgm:scene3d>
+    <dgm:sp3d/>
+    <dgm:txPr/>
+    <dgm:style>
+      <a:lnRef idx="1">
+        <a:scrgbClr r="0" g="0" b="0"/>
+      </a:lnRef>
+      <a:fillRef idx="0">
+        <a:scrgbClr r="0" g="0" b="0"/>
+      </a:fillRef>
+      <a:effectRef idx="0">
+        <a:scrgbClr r="0" g="0" b="0"/>
+      </a:effectRef>
+      <a:fontRef idx="minor"/>
+    </dgm:style>
+  </dgm:styleLbl>
+  <dgm:styleLbl name="callout">
+    <dgm:scene3d>
+      <a:camera prst="orthographicFront"/>
+      <a:lightRig rig="threePt" dir="t"/>
+    </dgm:scene3d>
+    <dgm:sp3d/>
+    <dgm:txPr/>
+    <dgm:style>
+      <a:lnRef idx="2">
+        <a:scrgbClr r="0" g="0" b="0"/>
+      </a:lnRef>
+      <a:fillRef idx="1">
+        <a:scrgbClr r="0" g="0" b="0"/>
+      </a:fillRef>
+      <a:effectRef idx="0">
+        <a:scrgbClr r="0" g="0" b="0"/>
+      </a:effectRef>
+      <a:fontRef idx="minor"/>
+    </dgm:style>
+  </dgm:styleLbl>
+  <dgm:styleLbl name="asst0">
+    <dgm:scene3d>
+      <a:camera prst="orthographicFront"/>
+      <a:lightRig rig="threePt" dir="t"/>
+    </dgm:scene3d>
+    <dgm:sp3d/>
+    <dgm:txPr/>
+    <dgm:style>
+      <a:lnRef idx="2">
+        <a:scrgbClr r="0" g="0" b="0"/>
+      </a:lnRef>
+      <a:fillRef idx="1">
+        <a:scrgbClr r="0" g="0" b="0"/>
+      </a:fillRef>
+      <a:effectRef idx="0">
+        <a:scrgbClr r="0" g="0" b="0"/>
+      </a:effectRef>
+      <a:fontRef idx="minor">
+        <a:schemeClr val="lt1"/>
+      </a:fontRef>
+    </dgm:style>
+  </dgm:styleLbl>
+  <dgm:styleLbl name="asst1">
+    <dgm:scene3d>
+      <a:camera prst="orthographicFront"/>
+      <a:lightRig rig="threePt" dir="t"/>
+    </dgm:scene3d>
+    <dgm:sp3d/>
+    <dgm:txPr/>
+    <dgm:style>
+      <a:lnRef idx="2">
+        <a:scrgbClr r="0" g="0" b="0"/>
+      </a:lnRef>
+      <a:fillRef idx="1">
+        <a:scrgbClr r="0" g="0" b="0"/>
+      </a:fillRef>
+      <a:effectRef idx="0">
+        <a:scrgbClr r="0" g="0" b="0"/>
+      </a:effectRef>
+      <a:fontRef idx="minor">
+        <a:schemeClr val="lt1"/>
+      </a:fontRef>
+    </dgm:style>
+  </dgm:styleLbl>
+  <dgm:styleLbl name="asst2">
+    <dgm:scene3d>
+      <a:camera prst="orthographicFront"/>
+      <a:lightRig rig="threePt" dir="t"/>
+    </dgm:scene3d>
+    <dgm:sp3d/>
+    <dgm:txPr/>
+    <dgm:style>
+      <a:lnRef idx="2">
+        <a:scrgbClr r="0" g="0" b="0"/>
+      </a:lnRef>
+      <a:fillRef idx="1">
+        <a:scrgbClr r="0" g="0" b="0"/>
+      </a:fillRef>
+      <a:effectRef idx="0">
+        <a:scrgbClr r="0" g="0" b="0"/>
+      </a:effectRef>
+      <a:fontRef idx="minor">
+        <a:schemeClr val="lt1"/>
+      </a:fontRef>
+    </dgm:style>
+  </dgm:styleLbl>
+  <dgm:styleLbl name="asst3">
+    <dgm:scene3d>
+      <a:camera prst="orthographicFront"/>
+      <a:lightRig rig="threePt" dir="t"/>
+    </dgm:scene3d>
+    <dgm:sp3d/>
+    <dgm:txPr/>
+    <dgm:style>
+      <a:lnRef idx="2">
+        <a:scrgbClr r="0" g="0" b="0"/>
+      </a:lnRef>
+      <a:fillRef idx="1">
+        <a:scrgbClr r="0" g="0" b="0"/>
+      </a:fillRef>
+      <a:effectRef idx="0">
+        <a:scrgbClr r="0" g="0" b="0"/>
+      </a:effectRef>
+      <a:fontRef idx="minor">
+        <a:schemeClr val="lt1"/>
+      </a:fontRef>
+    </dgm:style>
+  </dgm:styleLbl>
+  <dgm:styleLbl name="asst4">
+    <dgm:scene3d>
+      <a:camera prst="orthographicFront"/>
+      <a:lightRig rig="threePt" dir="t"/>
+    </dgm:scene3d>
+    <dgm:sp3d/>
+    <dgm:txPr/>
+    <dgm:style>
+      <a:lnRef idx="2">
+        <a:scrgbClr r="0" g="0" b="0"/>
+      </a:lnRef>
+      <a:fillRef idx="1">
+        <a:scrgbClr r="0" g="0" b="0"/>
+      </a:fillRef>
+      <a:effectRef idx="0">
+        <a:scrgbClr r="0" g="0" b="0"/>
+      </a:effectRef>
+      <a:fontRef idx="minor">
+        <a:schemeClr val="lt1"/>
+      </a:fontRef>
+    </dgm:style>
+  </dgm:styleLbl>
+  <dgm:styleLbl name="parChTrans2D1">
+    <dgm:scene3d>
+      <a:camera prst="orthographicFront"/>
+      <a:lightRig rig="threePt" dir="t"/>
+    </dgm:scene3d>
+    <dgm:sp3d/>
+    <dgm:txPr/>
+    <dgm:style>
+      <a:lnRef idx="2">
+        <a:scrgbClr r="0" g="0" b="0"/>
+      </a:lnRef>
+      <a:fillRef idx="1">
+        <a:scrgbClr r="0" g="0" b="0"/>
+      </a:fillRef>
+      <a:effectRef idx="0">
+        <a:scrgbClr r="0" g="0" b="0"/>
+      </a:effectRef>
+      <a:fontRef idx="minor">
+        <a:schemeClr val="lt1"/>
+      </a:fontRef>
+    </dgm:style>
+  </dgm:styleLbl>
+  <dgm:styleLbl name="parChTrans2D2">
+    <dgm:scene3d>
+      <a:camera prst="orthographicFront"/>
+      <a:lightRig rig="threePt" dir="t"/>
+    </dgm:scene3d>
+    <dgm:sp3d/>
+    <dgm:txPr/>
+    <dgm:style>
+      <a:lnRef idx="2">
+        <a:scrgbClr r="0" g="0" b="0"/>
+      </a:lnRef>
+      <a:fillRef idx="1">
+        <a:scrgbClr r="0" g="0" b="0"/>
+      </a:fillRef>
+      <a:effectRef idx="0">
+        <a:scrgbClr r="0" g="0" b="0"/>
+      </a:effectRef>
+      <a:fontRef idx="minor">
+        <a:schemeClr val="lt1"/>
+      </a:fontRef>
+    </dgm:style>
+  </dgm:styleLbl>
+  <dgm:styleLbl name="parChTrans2D3">
+    <dgm:scene3d>
+      <a:camera prst="orthographicFront"/>
+      <a:lightRig rig="threePt" dir="t"/>
+    </dgm:scene3d>
+    <dgm:sp3d/>
+    <dgm:txPr/>
+    <dgm:style>
+      <a:lnRef idx="2">
+        <a:scrgbClr r="0" g="0" b="0"/>
+      </a:lnRef>
+      <a:fillRef idx="1">
+        <a:scrgbClr r="0" g="0" b="0"/>
+      </a:fillRef>
+      <a:effectRef idx="0">
+        <a:scrgbClr r="0" g="0" b="0"/>
+      </a:effectRef>
+      <a:fontRef idx="minor">
+        <a:schemeClr val="lt1"/>
+      </a:fontRef>
+    </dgm:style>
+  </dgm:styleLbl>
+  <dgm:styleLbl name="parChTrans2D4">
+    <dgm:scene3d>
+      <a:camera prst="orthographicFront"/>
+      <a:lightRig rig="threePt" dir="t"/>
+    </dgm:scene3d>
+    <dgm:sp3d/>
+    <dgm:txPr/>
+    <dgm:style>
+      <a:lnRef idx="2">
+        <a:scrgbClr r="0" g="0" b="0"/>
+      </a:lnRef>
+      <a:fillRef idx="1">
+        <a:scrgbClr r="0" g="0" b="0"/>
+      </a:fillRef>
+      <a:effectRef idx="0">
+        <a:scrgbClr r="0" g="0" b="0"/>
+      </a:effectRef>
+      <a:fontRef idx="minor">
+        <a:schemeClr val="lt1"/>
+      </a:fontRef>
+    </dgm:style>
+  </dgm:styleLbl>
+  <dgm:styleLbl name="parChTrans1D1">
+    <dgm:scene3d>
+      <a:camera prst="orthographicFront"/>
+      <a:lightRig rig="threePt" dir="t"/>
+    </dgm:scene3d>
+    <dgm:sp3d/>
+    <dgm:txPr/>
+    <dgm:style>
+      <a:lnRef idx="2">
+        <a:scrgbClr r="0" g="0" b="0"/>
+      </a:lnRef>
+      <a:fillRef idx="0">
+        <a:scrgbClr r="0" g="0" b="0"/>
+      </a:fillRef>
+      <a:effectRef idx="0">
+        <a:scrgbClr r="0" g="0" b="0"/>
+      </a:effectRef>
+      <a:fontRef idx="minor"/>
+    </dgm:style>
+  </dgm:styleLbl>
+  <dgm:styleLbl name="parChTrans1D2">
+    <dgm:scene3d>
+      <a:camera prst="orthographicFront"/>
+      <a:lightRig rig="threePt" dir="t"/>
+    </dgm:scene3d>
+    <dgm:sp3d/>
+    <dgm:txPr/>
+    <dgm:style>
+      <a:lnRef idx="2">
+        <a:scrgbClr r="0" g="0" b="0"/>
+      </a:lnRef>
+      <a:fillRef idx="0">
+        <a:scrgbClr r="0" g="0" b="0"/>
+      </a:fillRef>
+      <a:effectRef idx="0">
+        <a:scrgbClr r="0" g="0" b="0"/>
+      </a:effectRef>
+      <a:fontRef idx="minor"/>
+    </dgm:style>
+  </dgm:styleLbl>
+  <dgm:styleLbl name="parChTrans1D3">
+    <dgm:scene3d>
+      <a:camera prst="orthographicFront"/>
+      <a:lightRig rig="threePt" dir="t"/>
+    </dgm:scene3d>
+    <dgm:sp3d/>
+    <dgm:txPr/>
+    <dgm:style>
+      <a:lnRef idx="2">
+        <a:scrgbClr r="0" g="0" b="0"/>
+      </a:lnRef>
+      <a:fillRef idx="0">
+        <a:scrgbClr r="0" g="0" b="0"/>
+      </a:fillRef>
+      <a:effectRef idx="0">
+        <a:scrgbClr r="0" g="0" b="0"/>
+      </a:effectRef>
+      <a:fontRef idx="minor"/>
+    </dgm:style>
+  </dgm:styleLbl>
+  <dgm:styleLbl name="parChTrans1D4">
+    <dgm:scene3d>
+      <a:camera prst="orthographicFront"/>
+      <a:lightRig rig="threePt" dir="t"/>
+    </dgm:scene3d>
+    <dgm:sp3d/>
+    <dgm:txPr/>
+    <dgm:style>
+      <a:lnRef idx="2">
+        <a:scrgbClr r="0" g="0" b="0"/>
+      </a:lnRef>
+      <a:fillRef idx="0">
+        <a:scrgbClr r="0" g="0" b="0"/>
+      </a:fillRef>
+      <a:effectRef idx="0">
+        <a:scrgbClr r="0" g="0" b="0"/>
+      </a:effectRef>
+      <a:fontRef idx="minor"/>
+    </dgm:style>
+  </dgm:styleLbl>
+  <dgm:styleLbl name="fgAcc1">
+    <dgm:scene3d>
+      <a:camera prst="orthographicFront"/>
+      <a:lightRig rig="threePt" dir="t"/>
+    </dgm:scene3d>
+    <dgm:sp3d/>
+    <dgm:txPr/>
+    <dgm:style>
+      <a:lnRef idx="2">
+        <a:scrgbClr r="0" g="0" b="0"/>
+      </a:lnRef>
+      <a:fillRef idx="1">
+        <a:scrgbClr r="0" g="0" b="0"/>
+      </a:fillRef>
+      <a:effectRef idx="0">
+        <a:scrgbClr r="0" g="0" b="0"/>
+      </a:effectRef>
+      <a:fontRef idx="minor"/>
+    </dgm:style>
+  </dgm:styleLbl>
+  <dgm:styleLbl name="conFgAcc1">
+    <dgm:scene3d>
+      <a:camera prst="orthographicFront"/>
+      <a:lightRig rig="threePt" dir="t"/>
+    </dgm:scene3d>
+    <dgm:sp3d/>
+    <dgm:txPr/>
+    <dgm:style>
+      <a:lnRef idx="2">
+        <a:scrgbClr r="0" g="0" b="0"/>
+      </a:lnRef>
+      <a:fillRef idx="1">
+        <a:scrgbClr r="0" g="0" b="0"/>
+      </a:fillRef>
+      <a:effectRef idx="0">
+        <a:scrgbClr r="0" g="0" b="0"/>
+      </a:effectRef>
+      <a:fontRef idx="minor"/>
+    </dgm:style>
+  </dgm:styleLbl>
+  <dgm:styleLbl name="alignAcc1">
+    <dgm:scene3d>
+      <a:camera prst="orthographicFront"/>
+      <a:lightRig rig="threePt" dir="t"/>
+    </dgm:scene3d>
+    <dgm:sp3d/>
+    <dgm:txPr/>
+    <dgm:style>
+      <a:lnRef idx="2">
+        <a:scrgbClr r="0" g="0" b="0"/>
+      </a:lnRef>
+      <a:fillRef idx="1">
+        <a:scrgbClr r="0" g="0" b="0"/>
+      </a:fillRef>
+      <a:effectRef idx="0">
+        <a:scrgbClr r="0" g="0" b="0"/>
+      </a:effectRef>
+      <a:fontRef idx="minor"/>
+    </dgm:style>
+  </dgm:styleLbl>
+  <dgm:styleLbl name="trAlignAcc1">
+    <dgm:scene3d>
+      <a:camera prst="orthographicFront"/>
+      <a:lightRig rig="threePt" dir="t"/>
+    </dgm:scene3d>
+    <dgm:sp3d/>
+    <dgm:txPr/>
+    <dgm:style>
+      <a:lnRef idx="1">
+        <a:scrgbClr r="0" g="0" b="0"/>
+      </a:lnRef>
+      <a:fillRef idx="1">
+        <a:scrgbClr r="0" g="0" b="0"/>
+      </a:fillRef>
+      <a:effectRef idx="0">
+        <a:scrgbClr r="0" g="0" b="0"/>
+      </a:effectRef>
+      <a:fontRef idx="minor"/>
+    </dgm:style>
+  </dgm:styleLbl>
+  <dgm:styleLbl name="bgAcc1">
+    <dgm:scene3d>
+      <a:camera prst="orthographicFront"/>
+      <a:lightRig rig="threePt" dir="t"/>
+    </dgm:scene3d>
+    <dgm:sp3d/>
+    <dgm:txPr/>
+    <dgm:style>
+      <a:lnRef idx="2">
+        <a:scrgbClr r="0" g="0" b="0"/>
+      </a:lnRef>
+      <a:fillRef idx="1">
+        <a:scrgbClr r="0" g="0" b="0"/>
+      </a:fillRef>
+      <a:effectRef idx="0">
+        <a:scrgbClr r="0" g="0" b="0"/>
+      </a:effectRef>
+      <a:fontRef idx="minor"/>
+    </dgm:style>
+  </dgm:styleLbl>
+  <dgm:styleLbl name="solidFgAcc1">
+    <dgm:scene3d>
+      <a:camera prst="orthographicFront"/>
+      <a:lightRig rig="threePt" dir="t"/>
+    </dgm:scene3d>
+    <dgm:sp3d/>
+    <dgm:txPr/>
+    <dgm:style>
+      <a:lnRef idx="2">
+        <a:scrgbClr r="0" g="0" b="0"/>
+      </a:lnRef>
+      <a:fillRef idx="1">
+        <a:scrgbClr r="0" g="0" b="0"/>
+      </a:fillRef>
+      <a:effectRef idx="0">
+        <a:scrgbClr r="0" g="0" b="0"/>
+      </a:effectRef>
+      <a:fontRef idx="minor"/>
+    </dgm:style>
+  </dgm:styleLbl>
+  <dgm:styleLbl name="solidAlignAcc1">
+    <dgm:scene3d>
+      <a:camera prst="orthographicFront"/>
+      <a:lightRig rig="threePt" dir="t"/>
+    </dgm:scene3d>
+    <dgm:sp3d/>
+    <dgm:txPr/>
+    <dgm:style>
+      <a:lnRef idx="2">
+        <a:scrgbClr r="0" g="0" b="0"/>
+      </a:lnRef>
+      <a:fillRef idx="1">
+        <a:scrgbClr r="0" g="0" b="0"/>
+      </a:fillRef>
+      <a:effectRef idx="0">
+        <a:scrgbClr r="0" g="0" b="0"/>
+      </a:effectRef>
+      <a:fontRef idx="minor"/>
+    </dgm:style>
+  </dgm:styleLbl>
+  <dgm:styleLbl name="solidBgAcc1">
+    <dgm:scene3d>
+      <a:camera prst="orthographicFront"/>
+      <a:lightRig rig="threePt" dir="t"/>
+    </dgm:scene3d>
+    <dgm:sp3d/>
+    <dgm:txPr/>
+    <dgm:style>
+      <a:lnRef idx="2">
+        <a:scrgbClr r="0" g="0" b="0"/>
+      </a:lnRef>
+      <a:fillRef idx="1">
+        <a:scrgbClr r="0" g="0" b="0"/>
+      </a:fillRef>
+      <a:effectRef idx="0">
+        <a:scrgbClr r="0" g="0" b="0"/>
+      </a:effectRef>
+      <a:fontRef idx="minor"/>
+    </dgm:style>
+  </dgm:styleLbl>
+  <dgm:styleLbl name="fgAccFollowNode1">
+    <dgm:scene3d>
+      <a:camera prst="orthographicFront"/>
+      <a:lightRig rig="threePt" dir="t"/>
+    </dgm:scene3d>
+    <dgm:sp3d/>
+    <dgm:txPr/>
+    <dgm:style>
+      <a:lnRef idx="2">
+        <a:scrgbClr r="0" g="0" b="0"/>
+      </a:lnRef>
+      <a:fillRef idx="1">
+        <a:scrgbClr r="0" g="0" b="0"/>
+      </a:fillRef>
+      <a:effectRef idx="0">
+        <a:scrgbClr r="0" g="0" b="0"/>
+      </a:effectRef>
+      <a:fontRef idx="minor"/>
+    </dgm:style>
+  </dgm:styleLbl>
+  <dgm:styleLbl name="alignAccFollowNode1">
+    <dgm:scene3d>
+      <a:camera prst="orthographicFront"/>
+      <a:lightRig rig="threePt" dir="t"/>
+    </dgm:scene3d>
+    <dgm:sp3d/>
+    <dgm:txPr/>
+    <dgm:style>
+      <a:lnRef idx="2">
+        <a:scrgbClr r="0" g="0" b="0"/>
+      </a:lnRef>
+      <a:fillRef idx="1">
+        <a:scrgbClr r="0" g="0" b="0"/>
+      </a:fillRef>
+      <a:effectRef idx="0">
+        <a:scrgbClr r="0" g="0" b="0"/>
+      </a:effectRef>
+      <a:fontRef idx="minor"/>
+    </dgm:style>
+  </dgm:styleLbl>
+  <dgm:styleLbl name="bgAccFollowNode1">
+    <dgm:scene3d>
+      <a:camera prst="orthographicFront"/>
+      <a:lightRig rig="threePt" dir="t"/>
+    </dgm:scene3d>
+    <dgm:sp3d/>
+    <dgm:txPr/>
+    <dgm:style>
+      <a:lnRef idx="2">
+        <a:scrgbClr r="0" g="0" b="0"/>
+      </a:lnRef>
+      <a:fillRef idx="1">
+        <a:scrgbClr r="0" g="0" b="0"/>
+      </a:fillRef>
+      <a:effectRef idx="0">
+        <a:scrgbClr r="0" g="0" b="0"/>
+      </a:effectRef>
+      <a:fontRef idx="minor"/>
+    </dgm:style>
+  </dgm:styleLbl>
+  <dgm:styleLbl name="fgAcc0">
+    <dgm:scene3d>
+      <a:camera prst="orthographicFront"/>
+      <a:lightRig rig="threePt" dir="t"/>
+    </dgm:scene3d>
+    <dgm:sp3d/>
+    <dgm:txPr/>
+    <dgm:style>
+      <a:lnRef idx="2">
+        <a:scrgbClr r="0" g="0" b="0"/>
+      </a:lnRef>
+      <a:fillRef idx="1">
+        <a:scrgbClr r="0" g="0" b="0"/>
+      </a:fillRef>
+      <a:effectRef idx="0">
+        <a:scrgbClr r="0" g="0" b="0"/>
+      </a:effectRef>
+      <a:fontRef idx="minor"/>
+    </dgm:style>
+  </dgm:styleLbl>
+  <dgm:styleLbl name="fgAcc2">
+    <dgm:scene3d>
+      <a:camera prst="orthographicFront"/>
+      <a:lightRig rig="threePt" dir="t"/>
+    </dgm:scene3d>
+    <dgm:sp3d/>
+    <dgm:txPr/>
+    <dgm:style>
+      <a:lnRef idx="2">
+        <a:scrgbClr r="0" g="0" b="0"/>
+      </a:lnRef>
+      <a:fillRef idx="1">
+        <a:scrgbClr r="0" g="0" b="0"/>
+      </a:fillRef>
+      <a:effectRef idx="0">
+        <a:scrgbClr r="0" g="0" b="0"/>
+      </a:effectRef>
+      <a:fontRef idx="minor"/>
+    </dgm:style>
+  </dgm:styleLbl>
+  <dgm:styleLbl name="fgAcc3">
+    <dgm:scene3d>
+      <a:camera prst="orthographicFront"/>
+      <a:lightRig rig="threePt" dir="t"/>
+    </dgm:scene3d>
+    <dgm:sp3d/>
+    <dgm:txPr/>
+    <dgm:style>
+      <a:lnRef idx="2">
+        <a:scrgbClr r="0" g="0" b="0"/>
+      </a:lnRef>
+      <a:fillRef idx="1">
+        <a:scrgbClr r="0" g="0" b="0"/>
+      </a:fillRef>
+      <a:effectRef idx="0">
+        <a:scrgbClr r="0" g="0" b="0"/>
+      </a:effectRef>
+      <a:fontRef idx="minor"/>
+    </dgm:style>
+  </dgm:styleLbl>
+  <dgm:styleLbl name="fgAcc4">
+    <dgm:scene3d>
+      <a:camera prst="orthographicFront"/>
+      <a:lightRig rig="threePt" dir="t"/>
+    </dgm:scene3d>
+    <dgm:sp3d/>
+    <dgm:txPr/>
+    <dgm:style>
+      <a:lnRef idx="2">
+        <a:scrgbClr r="0" g="0" b="0"/>
+      </a:lnRef>
+      <a:fillRef idx="1">
+        <a:scrgbClr r="0" g="0" b="0"/>
+      </a:fillRef>
+      <a:effectRef idx="0">
+        <a:scrgbClr r="0" g="0" b="0"/>
+      </a:effectRef>
+      <a:fontRef idx="minor"/>
+    </dgm:style>
+  </dgm:styleLbl>
+  <dgm:styleLbl name="bgShp">
+    <dgm:scene3d>
+      <a:camera prst="orthographicFront"/>
+      <a:lightRig rig="threePt" dir="t"/>
+    </dgm:scene3d>
+    <dgm:sp3d/>
+    <dgm:txPr/>
+    <dgm:style>
+      <a:lnRef idx="0">
+        <a:scrgbClr r="0" g="0" b="0"/>
+      </a:lnRef>
+      <a:fillRef idx="1">
+        <a:scrgbClr r="0" g="0" b="0"/>
+      </a:fillRef>
+      <a:effectRef idx="0">
+        <a:scrgbClr r="0" g="0" b="0"/>
+      </a:effectRef>
+      <a:fontRef idx="minor"/>
+    </dgm:style>
+  </dgm:styleLbl>
+  <dgm:styleLbl name="dkBgShp">
+    <dgm:scene3d>
+      <a:camera prst="orthographicFront"/>
+      <a:lightRig rig="threePt" dir="t"/>
+    </dgm:scene3d>
+    <dgm:sp3d/>
+    <dgm:txPr/>
+    <dgm:style>
+      <a:lnRef idx="0">
+        <a:scrgbClr r="0" g="0" b="0"/>
+      </a:lnRef>
+      <a:fillRef idx="1">
+        <a:scrgbClr r="0" g="0" b="0"/>
+      </a:fillRef>
+      <a:effectRef idx="0">
+        <a:scrgbClr r="0" g="0" b="0"/>
+      </a:effectRef>
+      <a:fontRef idx="minor"/>
+    </dgm:style>
+  </dgm:styleLbl>
+  <dgm:styleLbl name="trBgShp">
+    <dgm:scene3d>
+      <a:camera prst="orthographicFront"/>
+      <a:lightRig rig="threePt" dir="t"/>
+    </dgm:scene3d>
+    <dgm:sp3d/>
+    <dgm:txPr/>
+    <dgm:style>
+      <a:lnRef idx="0">
+        <a:scrgbClr r="0" g="0" b="0"/>
+      </a:lnRef>
+      <a:fillRef idx="1">
+        <a:scrgbClr r="0" g="0" b="0"/>
+      </a:fillRef>
+      <a:effectRef idx="0">
+        <a:scrgbClr r="0" g="0" b="0"/>
+      </a:effectRef>
+      <a:fontRef idx="minor"/>
+    </dgm:style>
+  </dgm:styleLbl>
+  <dgm:styleLbl name="fgShp">
+    <dgm:scene3d>
+      <a:camera prst="orthographicFront"/>
+      <a:lightRig rig="threePt" dir="t"/>
+    </dgm:scene3d>
+    <dgm:sp3d/>
+    <dgm:txPr/>
+    <dgm:style>
+      <a:lnRef idx="2">
+        <a:scrgbClr r="0" g="0" b="0"/>
+      </a:lnRef>
+      <a:fillRef idx="1">
+        <a:scrgbClr r="0" g="0" b="0"/>
+      </a:fillRef>
+      <a:effectRef idx="0">
+        <a:scrgbClr r="0" g="0" b="0"/>
+      </a:effectRef>
+      <a:fontRef idx="minor"/>
+    </dgm:style>
+  </dgm:styleLbl>
+  <dgm:styleLbl name="revTx">
+    <dgm:scene3d>
+      <a:camera prst="orthographicFront"/>
+      <a:lightRig rig="threePt" dir="t"/>
+    </dgm:scene3d>
+    <dgm:sp3d/>
+    <dgm:txPr/>
+    <dgm:style>
+      <a:lnRef idx="0">
+        <a:scrgbClr r="0" g="0" b="0"/>
+      </a:lnRef>
+      <a:fillRef idx="0">
+        <a:scrgbClr r="0" g="0" b="0"/>
+      </a:fillRef>
+      <a:effectRef idx="0">
+        <a:scrgbClr r="0" g="0" b="0"/>
+      </a:effectRef>
+      <a:fontRef idx="minor"/>
+    </dgm:style>
+  </dgm:styleLbl>
+</dgm:styleDef>
+</file>
+
 <file path=ppt/handoutMasters/handoutMaster1.xml><?xml version="1.0" encoding="utf-8"?>
 <p:handoutMaster xmlns:a="http://schemas.openxmlformats.org/drawingml/2006/main" xmlns:r="http://schemas.openxmlformats.org/officeDocument/2006/relationships" xmlns:p="http://schemas.openxmlformats.org/presentationml/2006/main">
   <p:cSld>
@@ -553,6 +3368,21 @@
               <a:defRPr sz="1400"/>
             </a:pPr>
             <a:fld id="{F392E268-4ACC-414F-8BDE-E5396BDF309F}" type="slidenum">
+              <a:rPr/>
+              <a:pPr marL="0" marR="0" lvl="0" indent="0" algn="r" rtl="0" hangingPunct="0">
+                <a:lnSpc>
+                  <a:spcPct val="100000"/>
+                </a:lnSpc>
+                <a:spcBef>
+                  <a:spcPts val="0"/>
+                </a:spcBef>
+                <a:spcAft>
+                  <a:spcPts val="0"/>
+                </a:spcAft>
+                <a:buNone/>
+                <a:tabLst/>
+                <a:defRPr sz="1400"/>
+              </a:pPr>
               <a:t>‹#›</a:t>
             </a:fld>
             <a:endParaRPr lang="ru-RU" sz="1400" b="0" i="0" u="none" strike="noStrike" kern="1200" cap="none">
@@ -815,6 +3645,8 @@
           <a:p>
             <a:pPr lvl="0"/>
             <a:fld id="{968EC854-0191-4252-B2AF-B84B65C4AFEA}" type="slidenum">
+              <a:rPr/>
+              <a:pPr lvl="0"/>
               <a:t>‹#›</a:t>
             </a:fld>
             <a:endParaRPr lang="ru-RU"/>
@@ -2259,6 +5091,8 @@
           <a:p>
             <a:pPr lvl="0"/>
             <a:fld id="{EB60FCB1-B6E7-4C19-9EE6-274D8D4F5837}" type="slidenum">
+              <a:rPr/>
+              <a:pPr lvl="0"/>
               <a:t>‹#›</a:t>
             </a:fld>
             <a:endParaRPr lang="ru-RU"/>
@@ -2423,6 +5257,8 @@
           <a:p>
             <a:pPr lvl="0"/>
             <a:fld id="{7E55E389-C709-4D84-9070-DDF3D4D33F1B}" type="slidenum">
+              <a:rPr/>
+              <a:pPr lvl="0"/>
               <a:t>‹#›</a:t>
             </a:fld>
             <a:endParaRPr lang="ru-RU"/>
@@ -2597,6 +5433,8 @@
           <a:p>
             <a:pPr lvl="0"/>
             <a:fld id="{8E648263-449F-4FFD-9AD1-CAEC2CDD1541}" type="slidenum">
+              <a:rPr/>
+              <a:pPr lvl="0"/>
               <a:t>‹#›</a:t>
             </a:fld>
             <a:endParaRPr lang="ru-RU"/>
@@ -2761,6 +5599,8 @@
           <a:p>
             <a:pPr lvl="0"/>
             <a:fld id="{6047DA01-9F90-4E56-99F0-07F074D68135}" type="slidenum">
+              <a:rPr/>
+              <a:pPr lvl="0"/>
               <a:t>‹#›</a:t>
             </a:fld>
             <a:endParaRPr lang="ru-RU"/>
@@ -3001,6 +5841,8 @@
           <a:p>
             <a:pPr lvl="0"/>
             <a:fld id="{53D98F59-AED4-412B-9E87-B71C50E252A8}" type="slidenum">
+              <a:rPr/>
+              <a:pPr lvl="0"/>
               <a:t>‹#›</a:t>
             </a:fld>
             <a:endParaRPr lang="ru-RU"/>
@@ -3283,6 +6125,8 @@
           <a:p>
             <a:pPr lvl="0"/>
             <a:fld id="{35762D7B-A185-4FAA-B198-AA4FBCA10407}" type="slidenum">
+              <a:rPr/>
+              <a:pPr lvl="0"/>
               <a:t>‹#›</a:t>
             </a:fld>
             <a:endParaRPr lang="ru-RU"/>
@@ -3704,6 +6548,8 @@
           <a:p>
             <a:pPr lvl="0"/>
             <a:fld id="{CF86D9FB-40F7-4507-B321-DFA45FF4CD71}" type="slidenum">
+              <a:rPr/>
+              <a:pPr lvl="0"/>
               <a:t>‹#›</a:t>
             </a:fld>
             <a:endParaRPr lang="ru-RU"/>
@@ -3816,6 +6662,8 @@
           <a:p>
             <a:pPr lvl="0"/>
             <a:fld id="{79D38704-8C9D-4CA0-ABD1-93F253E83F73}" type="slidenum">
+              <a:rPr/>
+              <a:pPr lvl="0"/>
               <a:t>‹#›</a:t>
             </a:fld>
             <a:endParaRPr lang="ru-RU"/>
@@ -3905,6 +6753,8 @@
           <a:p>
             <a:pPr lvl="0"/>
             <a:fld id="{1B4C3A53-73A8-414C-A2B1-4AA4E7787E1C}" type="slidenum">
+              <a:rPr/>
+              <a:pPr lvl="0"/>
               <a:t>‹#›</a:t>
             </a:fld>
             <a:endParaRPr lang="ru-RU"/>
@@ -4177,6 +7027,8 @@
           <a:p>
             <a:pPr lvl="0"/>
             <a:fld id="{C86BD607-23C2-4532-BFD5-09C9BA7D6580}" type="slidenum">
+              <a:rPr/>
+              <a:pPr lvl="0"/>
               <a:t>‹#›</a:t>
             </a:fld>
             <a:endParaRPr lang="ru-RU"/>
@@ -4424,6 +7276,8 @@
           <a:p>
             <a:pPr lvl="0"/>
             <a:fld id="{9686B4A1-F517-45A2-91CE-09F57EBA714A}" type="slidenum">
+              <a:rPr/>
+              <a:pPr lvl="0"/>
               <a:t>‹#›</a:t>
             </a:fld>
             <a:endParaRPr lang="ru-RU"/>
@@ -4444,7 +7298,16 @@
   <p:cSld>
     <p:bg>
       <p:bgPr>
-        <a:noFill/>
+        <a:blipFill dpi="0" rotWithShape="1">
+          <a:blip r:embed="rId13" cstate="print">
+            <a:alphaModFix amt="51000"/>
+            <a:lum/>
+          </a:blip>
+          <a:srcRect/>
+          <a:stretch>
+            <a:fillRect/>
+          </a:stretch>
+        </a:blipFill>
         <a:effectLst/>
       </p:bgPr>
     </p:bg>
@@ -4922,6 +7785,8 @@
           <a:p>
             <a:pPr lvl="0"/>
             <a:fld id="{65F6B226-C499-49FF-87DC-A45765D3DEC3}" type="slidenum">
+              <a:rPr/>
+              <a:pPr lvl="0"/>
               <a:t>‹#›</a:t>
             </a:fld>
             <a:endParaRPr lang="ru-RU"/>
@@ -5977,149 +8842,38 @@
           </a:p>
         </p:txBody>
       </p:sp>
-      <p:sp>
-        <p:nvSpPr>
-          <p:cNvPr id="4" name="Полилиния 3"/>
-          <p:cNvSpPr/>
+      <p:pic>
+        <p:nvPicPr>
+          <p:cNvPr id="2050" name="Picture 2"/>
+          <p:cNvPicPr>
+            <a:picLocks noChangeAspect="1" noChangeArrowheads="1"/>
+          </p:cNvPicPr>
           <p:nvPr/>
-        </p:nvSpPr>
-        <p:spPr>
+        </p:nvPicPr>
+        <p:blipFill>
+          <a:blip r:embed="rId3" cstate="print"/>
+          <a:srcRect/>
+          <a:stretch>
+            <a:fillRect/>
+          </a:stretch>
+        </p:blipFill>
+        <p:spPr bwMode="auto">
           <a:xfrm>
-            <a:off x="2304008" y="3851845"/>
-            <a:ext cx="5400600" cy="3384376"/>
+            <a:off x="1943968" y="3653260"/>
+            <a:ext cx="6120680" cy="3906415"/>
           </a:xfrm>
-          <a:custGeom>
+          <a:prstGeom prst="rect">
             <a:avLst/>
-            <a:gdLst>
-              <a:gd name="f0" fmla="val 0"/>
-              <a:gd name="f1" fmla="val 21600"/>
-            </a:gdLst>
-            <a:ahLst/>
-            <a:cxnLst>
-              <a:cxn ang="3cd4">
-                <a:pos x="hc" y="t"/>
-              </a:cxn>
-              <a:cxn ang="0">
-                <a:pos x="r" y="vc"/>
-              </a:cxn>
-              <a:cxn ang="cd4">
-                <a:pos x="hc" y="b"/>
-              </a:cxn>
-              <a:cxn ang="cd2">
-                <a:pos x="l" y="vc"/>
-              </a:cxn>
-            </a:cxnLst>
-            <a:rect l="l" t="t" r="r" b="b"/>
-            <a:pathLst>
-              <a:path w="21600" h="21600">
-                <a:moveTo>
-                  <a:pt x="f0" y="f0"/>
-                </a:moveTo>
-                <a:lnTo>
-                  <a:pt x="f1" y="f0"/>
-                </a:lnTo>
-                <a:lnTo>
-                  <a:pt x="f1" y="f1"/>
-                </a:lnTo>
-                <a:lnTo>
-                  <a:pt x="f0" y="f1"/>
-                </a:lnTo>
-                <a:lnTo>
-                  <a:pt x="f0" y="f0"/>
-                </a:lnTo>
-                <a:close/>
-              </a:path>
-            </a:pathLst>
-          </a:custGeom>
-          <a:solidFill>
-            <a:srgbClr val="729FCF"/>
-          </a:solidFill>
-          <a:ln w="0">
-            <a:solidFill>
-              <a:srgbClr val="000000"/>
-            </a:solidFill>
-            <a:prstDash val="solid"/>
+          </a:prstGeom>
+          <a:noFill/>
+          <a:ln w="9525">
+            <a:noFill/>
+            <a:miter lim="800000"/>
+            <a:headEnd/>
+            <a:tailEnd/>
           </a:ln>
         </p:spPr>
-        <p:txBody>
-          <a:bodyPr vert="horz" wrap="none" lIns="90000" tIns="45000" rIns="90000" bIns="45000" anchor="ctr" anchorCtr="0" compatLnSpc="0"/>
-          <a:lstStyle>
-            <a:defPPr lvl="0">
-              <a:buSzPct val="45000"/>
-              <a:buFont typeface="StarSymbol"/>
-              <a:buNone/>
-            </a:defPPr>
-            <a:lvl1pPr lvl="0">
-              <a:buSzPct val="45000"/>
-              <a:buFont typeface="StarSymbol"/>
-              <a:buChar char="●"/>
-            </a:lvl1pPr>
-            <a:lvl2pPr lvl="1">
-              <a:buSzPct val="45000"/>
-              <a:buFont typeface="StarSymbol"/>
-              <a:buChar char="●"/>
-            </a:lvl2pPr>
-            <a:lvl3pPr lvl="2">
-              <a:buSzPct val="45000"/>
-              <a:buFont typeface="StarSymbol"/>
-              <a:buChar char="●"/>
-            </a:lvl3pPr>
-            <a:lvl4pPr lvl="3">
-              <a:buSzPct val="45000"/>
-              <a:buFont typeface="StarSymbol"/>
-              <a:buChar char="●"/>
-            </a:lvl4pPr>
-            <a:lvl5pPr lvl="4">
-              <a:buSzPct val="45000"/>
-              <a:buFont typeface="StarSymbol"/>
-              <a:buChar char="●"/>
-            </a:lvl5pPr>
-            <a:lvl6pPr lvl="5">
-              <a:buSzPct val="45000"/>
-              <a:buFont typeface="StarSymbol"/>
-              <a:buChar char="●"/>
-            </a:lvl6pPr>
-            <a:lvl7pPr lvl="6">
-              <a:buSzPct val="45000"/>
-              <a:buFont typeface="StarSymbol"/>
-              <a:buChar char="●"/>
-            </a:lvl7pPr>
-            <a:lvl8pPr lvl="7">
-              <a:buSzPct val="45000"/>
-              <a:buFont typeface="StarSymbol"/>
-              <a:buChar char="●"/>
-            </a:lvl8pPr>
-            <a:lvl9pPr lvl="8">
-              <a:buSzPct val="45000"/>
-              <a:buFont typeface="StarSymbol"/>
-              <a:buChar char="●"/>
-            </a:lvl9pPr>
-          </a:lstStyle>
-          <a:p>
-            <a:pPr marL="0" marR="0" lvl="0" indent="0" rtl="0" hangingPunct="0">
-              <a:lnSpc>
-                <a:spcPct val="100000"/>
-              </a:lnSpc>
-              <a:spcBef>
-                <a:spcPts val="0"/>
-              </a:spcBef>
-              <a:spcAft>
-                <a:spcPts val="0"/>
-              </a:spcAft>
-              <a:buNone/>
-              <a:tabLst/>
-            </a:pPr>
-            <a:endParaRPr lang="ru-RU" sz="1800" b="0" i="0" u="none" strike="noStrike" kern="1200" cap="none">
-              <a:ln>
-                <a:noFill/>
-              </a:ln>
-              <a:latin typeface="Liberation Sans" pitchFamily="18"/>
-              <a:ea typeface="Droid Sans Fallback" pitchFamily="2"/>
-              <a:cs typeface="FreeSans" pitchFamily="2"/>
-            </a:endParaRPr>
-          </a:p>
-        </p:txBody>
-      </p:sp>
+      </p:pic>
     </p:spTree>
   </p:cSld>
   <p:clrMapOvr>
@@ -6497,292 +9251,110 @@
           </a:p>
         </p:txBody>
       </p:sp>
-      <p:sp>
-        <p:nvSpPr>
-          <p:cNvPr id="4" name="Полилиния 3"/>
-          <p:cNvSpPr/>
+      <p:pic>
+        <p:nvPicPr>
+          <p:cNvPr id="3074" name="Picture 2"/>
+          <p:cNvPicPr>
+            <a:picLocks noChangeAspect="1" noChangeArrowheads="1"/>
+          </p:cNvPicPr>
           <p:nvPr/>
-        </p:nvSpPr>
+        </p:nvPicPr>
+        <p:blipFill>
+          <a:blip r:embed="rId3" cstate="print"/>
+          <a:srcRect/>
+          <a:stretch>
+            <a:fillRect/>
+          </a:stretch>
+        </p:blipFill>
+        <p:spPr bwMode="auto">
+          <a:xfrm>
+            <a:off x="143769" y="4643933"/>
+            <a:ext cx="4608512" cy="2184962"/>
+          </a:xfrm>
+          <a:prstGeom prst="rect">
+            <a:avLst/>
+          </a:prstGeom>
+          <a:noFill/>
+          <a:ln w="9525">
+            <a:noFill/>
+            <a:miter lim="800000"/>
+            <a:headEnd/>
+            <a:tailEnd/>
+          </a:ln>
+        </p:spPr>
+      </p:pic>
+      <p:pic>
+        <p:nvPicPr>
+          <p:cNvPr id="3075" name="Picture 3"/>
+          <p:cNvPicPr>
+            <a:picLocks noChangeAspect="1" noChangeArrowheads="1"/>
+          </p:cNvPicPr>
+          <p:nvPr/>
+        </p:nvPicPr>
+        <p:blipFill>
+          <a:blip r:embed="rId4" cstate="print"/>
+          <a:srcRect/>
+          <a:stretch>
+            <a:fillRect/>
+          </a:stretch>
+        </p:blipFill>
+        <p:spPr bwMode="auto">
+          <a:xfrm>
+            <a:off x="5280912" y="4640205"/>
+            <a:ext cx="4662518" cy="2235976"/>
+          </a:xfrm>
+          <a:prstGeom prst="rect">
+            <a:avLst/>
+          </a:prstGeom>
+          <a:noFill/>
+          <a:ln w="9525">
+            <a:noFill/>
+            <a:miter lim="800000"/>
+            <a:headEnd/>
+            <a:tailEnd/>
+          </a:ln>
+        </p:spPr>
+      </p:pic>
+      <p:cxnSp>
+        <p:nvCxnSpPr>
+          <p:cNvPr id="9" name="Прямая соединительная линия 8"/>
+          <p:cNvCxnSpPr>
+            <a:stCxn id="3" idx="2"/>
+          </p:cNvCxnSpPr>
+          <p:nvPr/>
+        </p:nvCxnSpPr>
         <p:spPr>
           <a:xfrm>
-            <a:off x="1151880" y="4427909"/>
-            <a:ext cx="3168352" cy="2808312"/>
+            <a:off x="5039628" y="4283893"/>
+            <a:ext cx="684" cy="3096344"/>
           </a:xfrm>
-          <a:custGeom>
+          <a:prstGeom prst="line">
             <a:avLst/>
-            <a:gdLst>
-              <a:gd name="f0" fmla="val 0"/>
-              <a:gd name="f1" fmla="val 21600"/>
-            </a:gdLst>
-            <a:ahLst/>
-            <a:cxnLst>
-              <a:cxn ang="3cd4">
-                <a:pos x="hc" y="t"/>
-              </a:cxn>
-              <a:cxn ang="0">
-                <a:pos x="r" y="vc"/>
-              </a:cxn>
-              <a:cxn ang="cd4">
-                <a:pos x="hc" y="b"/>
-              </a:cxn>
-              <a:cxn ang="cd2">
-                <a:pos x="l" y="vc"/>
-              </a:cxn>
-            </a:cxnLst>
-            <a:rect l="l" t="t" r="r" b="b"/>
-            <a:pathLst>
-              <a:path w="21600" h="21600">
-                <a:moveTo>
-                  <a:pt x="f0" y="f0"/>
-                </a:moveTo>
-                <a:lnTo>
-                  <a:pt x="f1" y="f0"/>
-                </a:lnTo>
-                <a:lnTo>
-                  <a:pt x="f1" y="f1"/>
-                </a:lnTo>
-                <a:lnTo>
-                  <a:pt x="f0" y="f1"/>
-                </a:lnTo>
-                <a:lnTo>
-                  <a:pt x="f0" y="f0"/>
-                </a:lnTo>
-                <a:close/>
-              </a:path>
-            </a:pathLst>
-          </a:custGeom>
-          <a:solidFill>
-            <a:srgbClr val="729FCF"/>
-          </a:solidFill>
-          <a:ln w="0">
+          </a:prstGeom>
+          <a:ln>
             <a:solidFill>
-              <a:srgbClr val="000000"/>
+              <a:schemeClr val="tx1">
+                <a:lumMod val="50000"/>
+                <a:lumOff val="50000"/>
+              </a:schemeClr>
             </a:solidFill>
-            <a:prstDash val="solid"/>
           </a:ln>
         </p:spPr>
-        <p:txBody>
-          <a:bodyPr vert="horz" wrap="none" lIns="90000" tIns="45000" rIns="90000" bIns="45000" anchor="ctr" anchorCtr="0" compatLnSpc="0"/>
-          <a:lstStyle>
-            <a:defPPr lvl="0">
-              <a:buSzPct val="45000"/>
-              <a:buFont typeface="StarSymbol"/>
-              <a:buNone/>
-            </a:defPPr>
-            <a:lvl1pPr lvl="0">
-              <a:buSzPct val="45000"/>
-              <a:buFont typeface="StarSymbol"/>
-              <a:buChar char="●"/>
-            </a:lvl1pPr>
-            <a:lvl2pPr lvl="1">
-              <a:buSzPct val="45000"/>
-              <a:buFont typeface="StarSymbol"/>
-              <a:buChar char="●"/>
-            </a:lvl2pPr>
-            <a:lvl3pPr lvl="2">
-              <a:buSzPct val="45000"/>
-              <a:buFont typeface="StarSymbol"/>
-              <a:buChar char="●"/>
-            </a:lvl3pPr>
-            <a:lvl4pPr lvl="3">
-              <a:buSzPct val="45000"/>
-              <a:buFont typeface="StarSymbol"/>
-              <a:buChar char="●"/>
-            </a:lvl4pPr>
-            <a:lvl5pPr lvl="4">
-              <a:buSzPct val="45000"/>
-              <a:buFont typeface="StarSymbol"/>
-              <a:buChar char="●"/>
-            </a:lvl5pPr>
-            <a:lvl6pPr lvl="5">
-              <a:buSzPct val="45000"/>
-              <a:buFont typeface="StarSymbol"/>
-              <a:buChar char="●"/>
-            </a:lvl6pPr>
-            <a:lvl7pPr lvl="6">
-              <a:buSzPct val="45000"/>
-              <a:buFont typeface="StarSymbol"/>
-              <a:buChar char="●"/>
-            </a:lvl7pPr>
-            <a:lvl8pPr lvl="7">
-              <a:buSzPct val="45000"/>
-              <a:buFont typeface="StarSymbol"/>
-              <a:buChar char="●"/>
-            </a:lvl8pPr>
-            <a:lvl9pPr lvl="8">
-              <a:buSzPct val="45000"/>
-              <a:buFont typeface="StarSymbol"/>
-              <a:buChar char="●"/>
-            </a:lvl9pPr>
-          </a:lstStyle>
-          <a:p>
-            <a:pPr marL="0" marR="0" lvl="0" indent="0" rtl="0" hangingPunct="0">
-              <a:lnSpc>
-                <a:spcPct val="100000"/>
-              </a:lnSpc>
-              <a:spcBef>
-                <a:spcPts val="0"/>
-              </a:spcBef>
-              <a:spcAft>
-                <a:spcPts val="0"/>
-              </a:spcAft>
-              <a:buNone/>
-              <a:tabLst/>
-            </a:pPr>
-            <a:endParaRPr lang="ru-RU" sz="1800" b="0" i="0" u="none" strike="noStrike" kern="1200" cap="none">
-              <a:ln>
-                <a:noFill/>
-              </a:ln>
-              <a:latin typeface="Liberation Sans" pitchFamily="18"/>
-              <a:ea typeface="Droid Sans Fallback" pitchFamily="2"/>
-              <a:cs typeface="FreeSans" pitchFamily="2"/>
-            </a:endParaRPr>
-          </a:p>
-        </p:txBody>
-      </p:sp>
-      <p:sp>
-        <p:nvSpPr>
-          <p:cNvPr id="7" name="Полилиния 6"/>
-          <p:cNvSpPr/>
-          <p:nvPr/>
-        </p:nvSpPr>
-        <p:spPr>
-          <a:xfrm>
-            <a:off x="5616376" y="4427909"/>
-            <a:ext cx="3168352" cy="2808312"/>
-          </a:xfrm>
-          <a:custGeom>
-            <a:avLst/>
-            <a:gdLst>
-              <a:gd name="f0" fmla="val 0"/>
-              <a:gd name="f1" fmla="val 21600"/>
-            </a:gdLst>
-            <a:ahLst/>
-            <a:cxnLst>
-              <a:cxn ang="3cd4">
-                <a:pos x="hc" y="t"/>
-              </a:cxn>
-              <a:cxn ang="0">
-                <a:pos x="r" y="vc"/>
-              </a:cxn>
-              <a:cxn ang="cd4">
-                <a:pos x="hc" y="b"/>
-              </a:cxn>
-              <a:cxn ang="cd2">
-                <a:pos x="l" y="vc"/>
-              </a:cxn>
-            </a:cxnLst>
-            <a:rect l="l" t="t" r="r" b="b"/>
-            <a:pathLst>
-              <a:path w="21600" h="21600">
-                <a:moveTo>
-                  <a:pt x="f0" y="f0"/>
-                </a:moveTo>
-                <a:lnTo>
-                  <a:pt x="f1" y="f0"/>
-                </a:lnTo>
-                <a:lnTo>
-                  <a:pt x="f1" y="f1"/>
-                </a:lnTo>
-                <a:lnTo>
-                  <a:pt x="f0" y="f1"/>
-                </a:lnTo>
-                <a:lnTo>
-                  <a:pt x="f0" y="f0"/>
-                </a:lnTo>
-                <a:close/>
-              </a:path>
-            </a:pathLst>
-          </a:custGeom>
-          <a:solidFill>
-            <a:srgbClr val="729FCF"/>
-          </a:solidFill>
-          <a:ln w="0">
-            <a:solidFill>
-              <a:srgbClr val="000000"/>
-            </a:solidFill>
-            <a:prstDash val="solid"/>
-          </a:ln>
-        </p:spPr>
-        <p:txBody>
-          <a:bodyPr vert="horz" wrap="none" lIns="90000" tIns="45000" rIns="90000" bIns="45000" anchor="ctr" anchorCtr="0" compatLnSpc="0"/>
-          <a:lstStyle>
-            <a:defPPr lvl="0">
-              <a:buSzPct val="45000"/>
-              <a:buFont typeface="StarSymbol"/>
-              <a:buNone/>
-            </a:defPPr>
-            <a:lvl1pPr lvl="0">
-              <a:buSzPct val="45000"/>
-              <a:buFont typeface="StarSymbol"/>
-              <a:buChar char="●"/>
-            </a:lvl1pPr>
-            <a:lvl2pPr lvl="1">
-              <a:buSzPct val="45000"/>
-              <a:buFont typeface="StarSymbol"/>
-              <a:buChar char="●"/>
-            </a:lvl2pPr>
-            <a:lvl3pPr lvl="2">
-              <a:buSzPct val="45000"/>
-              <a:buFont typeface="StarSymbol"/>
-              <a:buChar char="●"/>
-            </a:lvl3pPr>
-            <a:lvl4pPr lvl="3">
-              <a:buSzPct val="45000"/>
-              <a:buFont typeface="StarSymbol"/>
-              <a:buChar char="●"/>
-            </a:lvl4pPr>
-            <a:lvl5pPr lvl="4">
-              <a:buSzPct val="45000"/>
-              <a:buFont typeface="StarSymbol"/>
-              <a:buChar char="●"/>
-            </a:lvl5pPr>
-            <a:lvl6pPr lvl="5">
-              <a:buSzPct val="45000"/>
-              <a:buFont typeface="StarSymbol"/>
-              <a:buChar char="●"/>
-            </a:lvl6pPr>
-            <a:lvl7pPr lvl="6">
-              <a:buSzPct val="45000"/>
-              <a:buFont typeface="StarSymbol"/>
-              <a:buChar char="●"/>
-            </a:lvl7pPr>
-            <a:lvl8pPr lvl="7">
-              <a:buSzPct val="45000"/>
-              <a:buFont typeface="StarSymbol"/>
-              <a:buChar char="●"/>
-            </a:lvl8pPr>
-            <a:lvl9pPr lvl="8">
-              <a:buSzPct val="45000"/>
-              <a:buFont typeface="StarSymbol"/>
-              <a:buChar char="●"/>
-            </a:lvl9pPr>
-          </a:lstStyle>
-          <a:p>
-            <a:pPr marL="0" marR="0" lvl="0" indent="0" rtl="0" hangingPunct="0">
-              <a:lnSpc>
-                <a:spcPct val="100000"/>
-              </a:lnSpc>
-              <a:spcBef>
-                <a:spcPts val="0"/>
-              </a:spcBef>
-              <a:spcAft>
-                <a:spcPts val="0"/>
-              </a:spcAft>
-              <a:buNone/>
-              <a:tabLst/>
-            </a:pPr>
-            <a:endParaRPr lang="ru-RU" sz="1800" b="0" i="0" u="none" strike="noStrike" kern="1200" cap="none">
-              <a:ln>
-                <a:noFill/>
-              </a:ln>
-              <a:latin typeface="Liberation Sans" pitchFamily="18"/>
-              <a:ea typeface="Droid Sans Fallback" pitchFamily="2"/>
-              <a:cs typeface="FreeSans" pitchFamily="2"/>
-            </a:endParaRPr>
-          </a:p>
-        </p:txBody>
-      </p:sp>
+        <p:style>
+          <a:lnRef idx="1">
+            <a:schemeClr val="accent1"/>
+          </a:lnRef>
+          <a:fillRef idx="0">
+            <a:schemeClr val="accent1"/>
+          </a:fillRef>
+          <a:effectRef idx="0">
+            <a:schemeClr val="accent1"/>
+          </a:effectRef>
+          <a:fontRef idx="minor">
+            <a:schemeClr val="tx1"/>
+          </a:fontRef>
+        </p:style>
+      </p:cxnSp>
     </p:spTree>
   </p:cSld>
   <p:clrMapOvr>
@@ -7149,149 +9721,38 @@
           </a:p>
         </p:txBody>
       </p:sp>
-      <p:sp>
-        <p:nvSpPr>
-          <p:cNvPr id="4" name="Полилиния 3"/>
-          <p:cNvSpPr/>
+      <p:pic>
+        <p:nvPicPr>
+          <p:cNvPr id="4098" name="Picture 2"/>
+          <p:cNvPicPr>
+            <a:picLocks noChangeAspect="1" noChangeArrowheads="1"/>
+          </p:cNvPicPr>
           <p:nvPr/>
-        </p:nvSpPr>
-        <p:spPr>
+        </p:nvPicPr>
+        <p:blipFill>
+          <a:blip r:embed="rId3" cstate="print"/>
+          <a:srcRect/>
+          <a:stretch>
+            <a:fillRect/>
+          </a:stretch>
+        </p:blipFill>
+        <p:spPr bwMode="auto">
           <a:xfrm>
-            <a:off x="3240112" y="3779837"/>
-            <a:ext cx="3168352" cy="2808312"/>
+            <a:off x="2159992" y="4067869"/>
+            <a:ext cx="5659159" cy="2695203"/>
           </a:xfrm>
-          <a:custGeom>
+          <a:prstGeom prst="rect">
             <a:avLst/>
-            <a:gdLst>
-              <a:gd name="f0" fmla="val 0"/>
-              <a:gd name="f1" fmla="val 21600"/>
-            </a:gdLst>
-            <a:ahLst/>
-            <a:cxnLst>
-              <a:cxn ang="3cd4">
-                <a:pos x="hc" y="t"/>
-              </a:cxn>
-              <a:cxn ang="0">
-                <a:pos x="r" y="vc"/>
-              </a:cxn>
-              <a:cxn ang="cd4">
-                <a:pos x="hc" y="b"/>
-              </a:cxn>
-              <a:cxn ang="cd2">
-                <a:pos x="l" y="vc"/>
-              </a:cxn>
-            </a:cxnLst>
-            <a:rect l="l" t="t" r="r" b="b"/>
-            <a:pathLst>
-              <a:path w="21600" h="21600">
-                <a:moveTo>
-                  <a:pt x="f0" y="f0"/>
-                </a:moveTo>
-                <a:lnTo>
-                  <a:pt x="f1" y="f0"/>
-                </a:lnTo>
-                <a:lnTo>
-                  <a:pt x="f1" y="f1"/>
-                </a:lnTo>
-                <a:lnTo>
-                  <a:pt x="f0" y="f1"/>
-                </a:lnTo>
-                <a:lnTo>
-                  <a:pt x="f0" y="f0"/>
-                </a:lnTo>
-                <a:close/>
-              </a:path>
-            </a:pathLst>
-          </a:custGeom>
-          <a:solidFill>
-            <a:srgbClr val="729FCF"/>
-          </a:solidFill>
-          <a:ln w="0">
-            <a:solidFill>
-              <a:srgbClr val="000000"/>
-            </a:solidFill>
-            <a:prstDash val="solid"/>
+          </a:prstGeom>
+          <a:noFill/>
+          <a:ln w="9525">
+            <a:noFill/>
+            <a:miter lim="800000"/>
+            <a:headEnd/>
+            <a:tailEnd/>
           </a:ln>
         </p:spPr>
-        <p:txBody>
-          <a:bodyPr vert="horz" wrap="none" lIns="90000" tIns="45000" rIns="90000" bIns="45000" anchor="ctr" anchorCtr="0" compatLnSpc="0"/>
-          <a:lstStyle>
-            <a:defPPr lvl="0">
-              <a:buSzPct val="45000"/>
-              <a:buFont typeface="StarSymbol"/>
-              <a:buNone/>
-            </a:defPPr>
-            <a:lvl1pPr lvl="0">
-              <a:buSzPct val="45000"/>
-              <a:buFont typeface="StarSymbol"/>
-              <a:buChar char="●"/>
-            </a:lvl1pPr>
-            <a:lvl2pPr lvl="1">
-              <a:buSzPct val="45000"/>
-              <a:buFont typeface="StarSymbol"/>
-              <a:buChar char="●"/>
-            </a:lvl2pPr>
-            <a:lvl3pPr lvl="2">
-              <a:buSzPct val="45000"/>
-              <a:buFont typeface="StarSymbol"/>
-              <a:buChar char="●"/>
-            </a:lvl3pPr>
-            <a:lvl4pPr lvl="3">
-              <a:buSzPct val="45000"/>
-              <a:buFont typeface="StarSymbol"/>
-              <a:buChar char="●"/>
-            </a:lvl4pPr>
-            <a:lvl5pPr lvl="4">
-              <a:buSzPct val="45000"/>
-              <a:buFont typeface="StarSymbol"/>
-              <a:buChar char="●"/>
-            </a:lvl5pPr>
-            <a:lvl6pPr lvl="5">
-              <a:buSzPct val="45000"/>
-              <a:buFont typeface="StarSymbol"/>
-              <a:buChar char="●"/>
-            </a:lvl6pPr>
-            <a:lvl7pPr lvl="6">
-              <a:buSzPct val="45000"/>
-              <a:buFont typeface="StarSymbol"/>
-              <a:buChar char="●"/>
-            </a:lvl7pPr>
-            <a:lvl8pPr lvl="7">
-              <a:buSzPct val="45000"/>
-              <a:buFont typeface="StarSymbol"/>
-              <a:buChar char="●"/>
-            </a:lvl8pPr>
-            <a:lvl9pPr lvl="8">
-              <a:buSzPct val="45000"/>
-              <a:buFont typeface="StarSymbol"/>
-              <a:buChar char="●"/>
-            </a:lvl9pPr>
-          </a:lstStyle>
-          <a:p>
-            <a:pPr marL="0" marR="0" lvl="0" indent="0" rtl="0" hangingPunct="0">
-              <a:lnSpc>
-                <a:spcPct val="100000"/>
-              </a:lnSpc>
-              <a:spcBef>
-                <a:spcPts val="0"/>
-              </a:spcBef>
-              <a:spcAft>
-                <a:spcPts val="0"/>
-              </a:spcAft>
-              <a:buNone/>
-              <a:tabLst/>
-            </a:pPr>
-            <a:endParaRPr lang="ru-RU" sz="1800" b="0" i="0" u="none" strike="noStrike" kern="1200" cap="none" dirty="0">
-              <a:ln>
-                <a:noFill/>
-              </a:ln>
-              <a:latin typeface="Liberation Sans" pitchFamily="18"/>
-              <a:ea typeface="Droid Sans Fallback" pitchFamily="2"/>
-              <a:cs typeface="FreeSans" pitchFamily="2"/>
-            </a:endParaRPr>
-          </a:p>
-        </p:txBody>
-      </p:sp>
+      </p:pic>
     </p:spTree>
   </p:cSld>
   <p:clrMapOvr>
@@ -7651,149 +10112,38 @@
           </a:p>
         </p:txBody>
       </p:sp>
-      <p:sp>
-        <p:nvSpPr>
-          <p:cNvPr id="4" name="Полилиния 3"/>
-          <p:cNvSpPr/>
+      <p:pic>
+        <p:nvPicPr>
+          <p:cNvPr id="5122" name="Picture 2"/>
+          <p:cNvPicPr>
+            <a:picLocks noChangeAspect="1" noChangeArrowheads="1"/>
+          </p:cNvPicPr>
           <p:nvPr/>
-        </p:nvSpPr>
-        <p:spPr>
+        </p:nvPicPr>
+        <p:blipFill>
+          <a:blip r:embed="rId3" cstate="print"/>
+          <a:srcRect/>
+          <a:stretch>
+            <a:fillRect/>
+          </a:stretch>
+        </p:blipFill>
+        <p:spPr bwMode="auto">
           <a:xfrm>
-            <a:off x="503999" y="4104000"/>
-            <a:ext cx="9072000" cy="3168000"/>
+            <a:off x="503808" y="3707829"/>
+            <a:ext cx="9277350" cy="3686175"/>
           </a:xfrm>
-          <a:custGeom>
+          <a:prstGeom prst="rect">
             <a:avLst/>
-            <a:gdLst>
-              <a:gd name="f0" fmla="val 0"/>
-              <a:gd name="f1" fmla="val 21600"/>
-            </a:gdLst>
-            <a:ahLst/>
-            <a:cxnLst>
-              <a:cxn ang="3cd4">
-                <a:pos x="hc" y="t"/>
-              </a:cxn>
-              <a:cxn ang="0">
-                <a:pos x="r" y="vc"/>
-              </a:cxn>
-              <a:cxn ang="cd4">
-                <a:pos x="hc" y="b"/>
-              </a:cxn>
-              <a:cxn ang="cd2">
-                <a:pos x="l" y="vc"/>
-              </a:cxn>
-            </a:cxnLst>
-            <a:rect l="l" t="t" r="r" b="b"/>
-            <a:pathLst>
-              <a:path w="21600" h="21600">
-                <a:moveTo>
-                  <a:pt x="f0" y="f0"/>
-                </a:moveTo>
-                <a:lnTo>
-                  <a:pt x="f1" y="f0"/>
-                </a:lnTo>
-                <a:lnTo>
-                  <a:pt x="f1" y="f1"/>
-                </a:lnTo>
-                <a:lnTo>
-                  <a:pt x="f0" y="f1"/>
-                </a:lnTo>
-                <a:lnTo>
-                  <a:pt x="f0" y="f0"/>
-                </a:lnTo>
-                <a:close/>
-              </a:path>
-            </a:pathLst>
-          </a:custGeom>
-          <a:solidFill>
-            <a:srgbClr val="729FCF"/>
-          </a:solidFill>
-          <a:ln w="0">
-            <a:solidFill>
-              <a:srgbClr val="000000"/>
-            </a:solidFill>
-            <a:prstDash val="solid"/>
+          </a:prstGeom>
+          <a:noFill/>
+          <a:ln w="9525">
+            <a:noFill/>
+            <a:miter lim="800000"/>
+            <a:headEnd/>
+            <a:tailEnd/>
           </a:ln>
         </p:spPr>
-        <p:txBody>
-          <a:bodyPr vert="horz" wrap="none" lIns="90000" tIns="45000" rIns="90000" bIns="45000" anchor="ctr" anchorCtr="0" compatLnSpc="0"/>
-          <a:lstStyle>
-            <a:defPPr lvl="0">
-              <a:buSzPct val="45000"/>
-              <a:buFont typeface="StarSymbol"/>
-              <a:buNone/>
-            </a:defPPr>
-            <a:lvl1pPr lvl="0">
-              <a:buSzPct val="45000"/>
-              <a:buFont typeface="StarSymbol"/>
-              <a:buChar char="●"/>
-            </a:lvl1pPr>
-            <a:lvl2pPr lvl="1">
-              <a:buSzPct val="45000"/>
-              <a:buFont typeface="StarSymbol"/>
-              <a:buChar char="●"/>
-            </a:lvl2pPr>
-            <a:lvl3pPr lvl="2">
-              <a:buSzPct val="45000"/>
-              <a:buFont typeface="StarSymbol"/>
-              <a:buChar char="●"/>
-            </a:lvl3pPr>
-            <a:lvl4pPr lvl="3">
-              <a:buSzPct val="45000"/>
-              <a:buFont typeface="StarSymbol"/>
-              <a:buChar char="●"/>
-            </a:lvl4pPr>
-            <a:lvl5pPr lvl="4">
-              <a:buSzPct val="45000"/>
-              <a:buFont typeface="StarSymbol"/>
-              <a:buChar char="●"/>
-            </a:lvl5pPr>
-            <a:lvl6pPr lvl="5">
-              <a:buSzPct val="45000"/>
-              <a:buFont typeface="StarSymbol"/>
-              <a:buChar char="●"/>
-            </a:lvl6pPr>
-            <a:lvl7pPr lvl="6">
-              <a:buSzPct val="45000"/>
-              <a:buFont typeface="StarSymbol"/>
-              <a:buChar char="●"/>
-            </a:lvl7pPr>
-            <a:lvl8pPr lvl="7">
-              <a:buSzPct val="45000"/>
-              <a:buFont typeface="StarSymbol"/>
-              <a:buChar char="●"/>
-            </a:lvl8pPr>
-            <a:lvl9pPr lvl="8">
-              <a:buSzPct val="45000"/>
-              <a:buFont typeface="StarSymbol"/>
-              <a:buChar char="●"/>
-            </a:lvl9pPr>
-          </a:lstStyle>
-          <a:p>
-            <a:pPr marL="0" marR="0" lvl="0" indent="0" rtl="0" hangingPunct="0">
-              <a:lnSpc>
-                <a:spcPct val="100000"/>
-              </a:lnSpc>
-              <a:spcBef>
-                <a:spcPts val="0"/>
-              </a:spcBef>
-              <a:spcAft>
-                <a:spcPts val="0"/>
-              </a:spcAft>
-              <a:buNone/>
-              <a:tabLst/>
-            </a:pPr>
-            <a:endParaRPr lang="ru-RU" sz="1800" b="0" i="0" u="none" strike="noStrike" kern="1200" cap="none">
-              <a:ln>
-                <a:noFill/>
-              </a:ln>
-              <a:latin typeface="Liberation Sans" pitchFamily="18"/>
-              <a:ea typeface="Droid Sans Fallback" pitchFamily="2"/>
-              <a:cs typeface="FreeSans" pitchFamily="2"/>
-            </a:endParaRPr>
-          </a:p>
-        </p:txBody>
-      </p:sp>
+      </p:pic>
     </p:spTree>
   </p:cSld>
   <p:clrMapOvr>
@@ -7926,7 +10276,7 @@
         </p:nvSpPr>
         <p:spPr>
           <a:xfrm>
-            <a:off x="503808" y="1475581"/>
+            <a:off x="503808" y="3923853"/>
             <a:ext cx="9071640" cy="3306941"/>
           </a:xfrm>
         </p:spPr>
@@ -8198,149 +10548,38 @@
           </a:p>
         </p:txBody>
       </p:sp>
-      <p:sp>
-        <p:nvSpPr>
-          <p:cNvPr id="4" name="Полилиния 3"/>
-          <p:cNvSpPr/>
+      <p:pic>
+        <p:nvPicPr>
+          <p:cNvPr id="6147" name="Picture 3"/>
+          <p:cNvPicPr>
+            <a:picLocks noChangeAspect="1" noChangeArrowheads="1"/>
+          </p:cNvPicPr>
           <p:nvPr/>
-        </p:nvSpPr>
-        <p:spPr>
+        </p:nvPicPr>
+        <p:blipFill>
+          <a:blip r:embed="rId3" cstate="print"/>
+          <a:srcRect/>
+          <a:stretch>
+            <a:fillRect/>
+          </a:stretch>
+        </p:blipFill>
+        <p:spPr bwMode="auto">
           <a:xfrm>
-            <a:off x="503999" y="4859957"/>
-            <a:ext cx="9072000" cy="2520280"/>
+            <a:off x="0" y="1403573"/>
+            <a:ext cx="10080625" cy="2518265"/>
           </a:xfrm>
-          <a:custGeom>
+          <a:prstGeom prst="rect">
             <a:avLst/>
-            <a:gdLst>
-              <a:gd name="f0" fmla="val 0"/>
-              <a:gd name="f1" fmla="val 21600"/>
-            </a:gdLst>
-            <a:ahLst/>
-            <a:cxnLst>
-              <a:cxn ang="3cd4">
-                <a:pos x="hc" y="t"/>
-              </a:cxn>
-              <a:cxn ang="0">
-                <a:pos x="r" y="vc"/>
-              </a:cxn>
-              <a:cxn ang="cd4">
-                <a:pos x="hc" y="b"/>
-              </a:cxn>
-              <a:cxn ang="cd2">
-                <a:pos x="l" y="vc"/>
-              </a:cxn>
-            </a:cxnLst>
-            <a:rect l="l" t="t" r="r" b="b"/>
-            <a:pathLst>
-              <a:path w="21600" h="21600">
-                <a:moveTo>
-                  <a:pt x="f0" y="f0"/>
-                </a:moveTo>
-                <a:lnTo>
-                  <a:pt x="f1" y="f0"/>
-                </a:lnTo>
-                <a:lnTo>
-                  <a:pt x="f1" y="f1"/>
-                </a:lnTo>
-                <a:lnTo>
-                  <a:pt x="f0" y="f1"/>
-                </a:lnTo>
-                <a:lnTo>
-                  <a:pt x="f0" y="f0"/>
-                </a:lnTo>
-                <a:close/>
-              </a:path>
-            </a:pathLst>
-          </a:custGeom>
-          <a:solidFill>
-            <a:srgbClr val="729FCF"/>
-          </a:solidFill>
-          <a:ln w="0">
-            <a:solidFill>
-              <a:srgbClr val="000000"/>
-            </a:solidFill>
-            <a:prstDash val="solid"/>
+          </a:prstGeom>
+          <a:noFill/>
+          <a:ln w="9525">
+            <a:noFill/>
+            <a:miter lim="800000"/>
+            <a:headEnd/>
+            <a:tailEnd/>
           </a:ln>
         </p:spPr>
-        <p:txBody>
-          <a:bodyPr vert="horz" wrap="none" lIns="90000" tIns="45000" rIns="90000" bIns="45000" anchor="ctr" anchorCtr="0" compatLnSpc="0"/>
-          <a:lstStyle>
-            <a:defPPr lvl="0">
-              <a:buSzPct val="45000"/>
-              <a:buFont typeface="StarSymbol"/>
-              <a:buNone/>
-            </a:defPPr>
-            <a:lvl1pPr lvl="0">
-              <a:buSzPct val="45000"/>
-              <a:buFont typeface="StarSymbol"/>
-              <a:buChar char="●"/>
-            </a:lvl1pPr>
-            <a:lvl2pPr lvl="1">
-              <a:buSzPct val="45000"/>
-              <a:buFont typeface="StarSymbol"/>
-              <a:buChar char="●"/>
-            </a:lvl2pPr>
-            <a:lvl3pPr lvl="2">
-              <a:buSzPct val="45000"/>
-              <a:buFont typeface="StarSymbol"/>
-              <a:buChar char="●"/>
-            </a:lvl3pPr>
-            <a:lvl4pPr lvl="3">
-              <a:buSzPct val="45000"/>
-              <a:buFont typeface="StarSymbol"/>
-              <a:buChar char="●"/>
-            </a:lvl4pPr>
-            <a:lvl5pPr lvl="4">
-              <a:buSzPct val="45000"/>
-              <a:buFont typeface="StarSymbol"/>
-              <a:buChar char="●"/>
-            </a:lvl5pPr>
-            <a:lvl6pPr lvl="5">
-              <a:buSzPct val="45000"/>
-              <a:buFont typeface="StarSymbol"/>
-              <a:buChar char="●"/>
-            </a:lvl6pPr>
-            <a:lvl7pPr lvl="6">
-              <a:buSzPct val="45000"/>
-              <a:buFont typeface="StarSymbol"/>
-              <a:buChar char="●"/>
-            </a:lvl7pPr>
-            <a:lvl8pPr lvl="7">
-              <a:buSzPct val="45000"/>
-              <a:buFont typeface="StarSymbol"/>
-              <a:buChar char="●"/>
-            </a:lvl8pPr>
-            <a:lvl9pPr lvl="8">
-              <a:buSzPct val="45000"/>
-              <a:buFont typeface="StarSymbol"/>
-              <a:buChar char="●"/>
-            </a:lvl9pPr>
-          </a:lstStyle>
-          <a:p>
-            <a:pPr marL="0" marR="0" lvl="0" indent="0" rtl="0" hangingPunct="0">
-              <a:lnSpc>
-                <a:spcPct val="100000"/>
-              </a:lnSpc>
-              <a:spcBef>
-                <a:spcPts val="0"/>
-              </a:spcBef>
-              <a:spcAft>
-                <a:spcPts val="0"/>
-              </a:spcAft>
-              <a:buNone/>
-              <a:tabLst/>
-            </a:pPr>
-            <a:endParaRPr lang="ru-RU" sz="1800" b="0" i="0" u="none" strike="noStrike" kern="1200" cap="none">
-              <a:ln>
-                <a:noFill/>
-              </a:ln>
-              <a:latin typeface="Liberation Sans" pitchFamily="18"/>
-              <a:ea typeface="Droid Sans Fallback" pitchFamily="2"/>
-              <a:cs typeface="FreeSans" pitchFamily="2"/>
-            </a:endParaRPr>
-          </a:p>
-        </p:txBody>
-      </p:sp>
+      </p:pic>
     </p:spTree>
   </p:cSld>
   <p:clrMapOvr>
@@ -9082,7 +11321,25 @@
               <a:rPr lang="ru-RU" sz="2800" dirty="0">
                 <a:latin typeface="+mn-lt"/>
               </a:rPr>
-              <a:t>РВС – набор независимых компьютеров и среда передачи данных между </a:t>
+              <a:t>РВС – набор независимых </a:t>
+            </a:r>
+            <a:r>
+              <a:rPr lang="ru-RU" sz="2800" dirty="0" smtClean="0">
+                <a:latin typeface="+mn-lt"/>
+              </a:rPr>
+              <a:t>вычислительных машин </a:t>
+            </a:r>
+            <a:r>
+              <a:rPr lang="ru-RU" sz="2800" dirty="0" smtClean="0">
+                <a:latin typeface="+mn-lt"/>
+              </a:rPr>
+              <a:t>и </a:t>
+            </a:r>
+            <a:r>
+              <a:rPr lang="ru-RU" sz="2800" dirty="0">
+                <a:latin typeface="+mn-lt"/>
+              </a:rPr>
+              <a:t>среда передачи данных между </a:t>
             </a:r>
             <a:r>
               <a:rPr lang="ru-RU" sz="2800" dirty="0" smtClean="0">
@@ -9880,7 +12137,7 @@
         </p:nvSpPr>
         <p:spPr>
           <a:xfrm>
-            <a:off x="143769" y="5436021"/>
+            <a:off x="143769" y="6084093"/>
             <a:ext cx="9721080" cy="873657"/>
           </a:xfrm>
           <a:prstGeom prst="rect">
@@ -9971,7 +12228,7 @@
       </p:sp>
       <p:pic>
         <p:nvPicPr>
-          <p:cNvPr id="3075" name="Picture 3" descr="D:\Предметы\Курсовая\Без имени-2.png"/>
+          <p:cNvPr id="1026" name="Picture 2"/>
           <p:cNvPicPr>
             <a:picLocks noChangeAspect="1" noChangeArrowheads="1"/>
           </p:cNvPicPr>
@@ -9986,13 +12243,19 @@
         </p:blipFill>
         <p:spPr bwMode="auto">
           <a:xfrm>
-            <a:off x="0" y="3059757"/>
-            <a:ext cx="10080625" cy="2401687"/>
+            <a:off x="575816" y="2915741"/>
+            <a:ext cx="8926463" cy="3096344"/>
           </a:xfrm>
           <a:prstGeom prst="rect">
             <a:avLst/>
           </a:prstGeom>
           <a:noFill/>
+          <a:ln w="9525">
+            <a:noFill/>
+            <a:miter lim="800000"/>
+            <a:headEnd/>
+            <a:tailEnd/>
+          </a:ln>
         </p:spPr>
       </p:pic>
     </p:spTree>
@@ -11954,435 +14217,6 @@
       </p:sp>
       <p:sp>
         <p:nvSpPr>
-          <p:cNvPr id="4" name="Полилиния 3"/>
-          <p:cNvSpPr/>
-          <p:nvPr/>
-        </p:nvSpPr>
-        <p:spPr>
-          <a:xfrm>
-            <a:off x="108000" y="3276110"/>
-            <a:ext cx="3168000" cy="2951999"/>
-          </a:xfrm>
-          <a:custGeom>
-            <a:avLst/>
-            <a:gdLst>
-              <a:gd name="f0" fmla="val 0"/>
-              <a:gd name="f1" fmla="val 21600"/>
-            </a:gdLst>
-            <a:ahLst/>
-            <a:cxnLst>
-              <a:cxn ang="3cd4">
-                <a:pos x="hc" y="t"/>
-              </a:cxn>
-              <a:cxn ang="0">
-                <a:pos x="r" y="vc"/>
-              </a:cxn>
-              <a:cxn ang="cd4">
-                <a:pos x="hc" y="b"/>
-              </a:cxn>
-              <a:cxn ang="cd2">
-                <a:pos x="l" y="vc"/>
-              </a:cxn>
-            </a:cxnLst>
-            <a:rect l="l" t="t" r="r" b="b"/>
-            <a:pathLst>
-              <a:path w="21600" h="21600">
-                <a:moveTo>
-                  <a:pt x="f0" y="f0"/>
-                </a:moveTo>
-                <a:lnTo>
-                  <a:pt x="f1" y="f0"/>
-                </a:lnTo>
-                <a:lnTo>
-                  <a:pt x="f1" y="f1"/>
-                </a:lnTo>
-                <a:lnTo>
-                  <a:pt x="f0" y="f1"/>
-                </a:lnTo>
-                <a:lnTo>
-                  <a:pt x="f0" y="f0"/>
-                </a:lnTo>
-                <a:close/>
-              </a:path>
-            </a:pathLst>
-          </a:custGeom>
-          <a:solidFill>
-            <a:srgbClr val="729FCF"/>
-          </a:solidFill>
-          <a:ln w="0">
-            <a:solidFill>
-              <a:srgbClr val="000000"/>
-            </a:solidFill>
-            <a:prstDash val="solid"/>
-          </a:ln>
-        </p:spPr>
-        <p:txBody>
-          <a:bodyPr vert="horz" wrap="none" lIns="90000" tIns="45000" rIns="90000" bIns="45000" anchor="ctr" anchorCtr="0" compatLnSpc="0"/>
-          <a:lstStyle>
-            <a:defPPr lvl="0">
-              <a:buSzPct val="45000"/>
-              <a:buFont typeface="StarSymbol"/>
-              <a:buNone/>
-            </a:defPPr>
-            <a:lvl1pPr lvl="0">
-              <a:buSzPct val="45000"/>
-              <a:buFont typeface="StarSymbol"/>
-              <a:buChar char="●"/>
-            </a:lvl1pPr>
-            <a:lvl2pPr lvl="1">
-              <a:buSzPct val="45000"/>
-              <a:buFont typeface="StarSymbol"/>
-              <a:buChar char="●"/>
-            </a:lvl2pPr>
-            <a:lvl3pPr lvl="2">
-              <a:buSzPct val="45000"/>
-              <a:buFont typeface="StarSymbol"/>
-              <a:buChar char="●"/>
-            </a:lvl3pPr>
-            <a:lvl4pPr lvl="3">
-              <a:buSzPct val="45000"/>
-              <a:buFont typeface="StarSymbol"/>
-              <a:buChar char="●"/>
-            </a:lvl4pPr>
-            <a:lvl5pPr lvl="4">
-              <a:buSzPct val="45000"/>
-              <a:buFont typeface="StarSymbol"/>
-              <a:buChar char="●"/>
-            </a:lvl5pPr>
-            <a:lvl6pPr lvl="5">
-              <a:buSzPct val="45000"/>
-              <a:buFont typeface="StarSymbol"/>
-              <a:buChar char="●"/>
-            </a:lvl6pPr>
-            <a:lvl7pPr lvl="6">
-              <a:buSzPct val="45000"/>
-              <a:buFont typeface="StarSymbol"/>
-              <a:buChar char="●"/>
-            </a:lvl7pPr>
-            <a:lvl8pPr lvl="7">
-              <a:buSzPct val="45000"/>
-              <a:buFont typeface="StarSymbol"/>
-              <a:buChar char="●"/>
-            </a:lvl8pPr>
-            <a:lvl9pPr lvl="8">
-              <a:buSzPct val="45000"/>
-              <a:buFont typeface="StarSymbol"/>
-              <a:buChar char="●"/>
-            </a:lvl9pPr>
-          </a:lstStyle>
-          <a:p>
-            <a:pPr marL="0" marR="0" lvl="0" indent="0" rtl="0" hangingPunct="0">
-              <a:lnSpc>
-                <a:spcPct val="100000"/>
-              </a:lnSpc>
-              <a:spcBef>
-                <a:spcPts val="0"/>
-              </a:spcBef>
-              <a:spcAft>
-                <a:spcPts val="0"/>
-              </a:spcAft>
-              <a:buNone/>
-              <a:tabLst/>
-            </a:pPr>
-            <a:endParaRPr lang="ru-RU" sz="1800" b="0" i="0" u="none" strike="noStrike" kern="1200" cap="none">
-              <a:ln>
-                <a:noFill/>
-              </a:ln>
-              <a:latin typeface="Liberation Sans" pitchFamily="18"/>
-              <a:ea typeface="Droid Sans Fallback" pitchFamily="2"/>
-              <a:cs typeface="FreeSans" pitchFamily="2"/>
-            </a:endParaRPr>
-          </a:p>
-        </p:txBody>
-      </p:sp>
-      <p:sp>
-        <p:nvSpPr>
-          <p:cNvPr id="5" name="Полилиния 4"/>
-          <p:cNvSpPr/>
-          <p:nvPr/>
-        </p:nvSpPr>
-        <p:spPr>
-          <a:xfrm>
-            <a:off x="3456000" y="3276110"/>
-            <a:ext cx="3168000" cy="2951999"/>
-          </a:xfrm>
-          <a:custGeom>
-            <a:avLst/>
-            <a:gdLst>
-              <a:gd name="f0" fmla="val 0"/>
-              <a:gd name="f1" fmla="val 21600"/>
-            </a:gdLst>
-            <a:ahLst/>
-            <a:cxnLst>
-              <a:cxn ang="3cd4">
-                <a:pos x="hc" y="t"/>
-              </a:cxn>
-              <a:cxn ang="0">
-                <a:pos x="r" y="vc"/>
-              </a:cxn>
-              <a:cxn ang="cd4">
-                <a:pos x="hc" y="b"/>
-              </a:cxn>
-              <a:cxn ang="cd2">
-                <a:pos x="l" y="vc"/>
-              </a:cxn>
-            </a:cxnLst>
-            <a:rect l="l" t="t" r="r" b="b"/>
-            <a:pathLst>
-              <a:path w="21600" h="21600">
-                <a:moveTo>
-                  <a:pt x="f0" y="f0"/>
-                </a:moveTo>
-                <a:lnTo>
-                  <a:pt x="f1" y="f0"/>
-                </a:lnTo>
-                <a:lnTo>
-                  <a:pt x="f1" y="f1"/>
-                </a:lnTo>
-                <a:lnTo>
-                  <a:pt x="f0" y="f1"/>
-                </a:lnTo>
-                <a:lnTo>
-                  <a:pt x="f0" y="f0"/>
-                </a:lnTo>
-                <a:close/>
-              </a:path>
-            </a:pathLst>
-          </a:custGeom>
-          <a:solidFill>
-            <a:srgbClr val="729FCF"/>
-          </a:solidFill>
-          <a:ln w="0">
-            <a:solidFill>
-              <a:srgbClr val="000000"/>
-            </a:solidFill>
-            <a:prstDash val="solid"/>
-          </a:ln>
-        </p:spPr>
-        <p:txBody>
-          <a:bodyPr vert="horz" wrap="none" lIns="90000" tIns="45000" rIns="90000" bIns="45000" anchor="ctr" anchorCtr="0" compatLnSpc="0"/>
-          <a:lstStyle>
-            <a:defPPr lvl="0">
-              <a:buSzPct val="45000"/>
-              <a:buFont typeface="StarSymbol"/>
-              <a:buNone/>
-            </a:defPPr>
-            <a:lvl1pPr lvl="0">
-              <a:buSzPct val="45000"/>
-              <a:buFont typeface="StarSymbol"/>
-              <a:buChar char="●"/>
-            </a:lvl1pPr>
-            <a:lvl2pPr lvl="1">
-              <a:buSzPct val="45000"/>
-              <a:buFont typeface="StarSymbol"/>
-              <a:buChar char="●"/>
-            </a:lvl2pPr>
-            <a:lvl3pPr lvl="2">
-              <a:buSzPct val="45000"/>
-              <a:buFont typeface="StarSymbol"/>
-              <a:buChar char="●"/>
-            </a:lvl3pPr>
-            <a:lvl4pPr lvl="3">
-              <a:buSzPct val="45000"/>
-              <a:buFont typeface="StarSymbol"/>
-              <a:buChar char="●"/>
-            </a:lvl4pPr>
-            <a:lvl5pPr lvl="4">
-              <a:buSzPct val="45000"/>
-              <a:buFont typeface="StarSymbol"/>
-              <a:buChar char="●"/>
-            </a:lvl5pPr>
-            <a:lvl6pPr lvl="5">
-              <a:buSzPct val="45000"/>
-              <a:buFont typeface="StarSymbol"/>
-              <a:buChar char="●"/>
-            </a:lvl6pPr>
-            <a:lvl7pPr lvl="6">
-              <a:buSzPct val="45000"/>
-              <a:buFont typeface="StarSymbol"/>
-              <a:buChar char="●"/>
-            </a:lvl7pPr>
-            <a:lvl8pPr lvl="7">
-              <a:buSzPct val="45000"/>
-              <a:buFont typeface="StarSymbol"/>
-              <a:buChar char="●"/>
-            </a:lvl8pPr>
-            <a:lvl9pPr lvl="8">
-              <a:buSzPct val="45000"/>
-              <a:buFont typeface="StarSymbol"/>
-              <a:buChar char="●"/>
-            </a:lvl9pPr>
-          </a:lstStyle>
-          <a:p>
-            <a:pPr marL="0" marR="0" lvl="0" indent="0" rtl="0" hangingPunct="0">
-              <a:lnSpc>
-                <a:spcPct val="100000"/>
-              </a:lnSpc>
-              <a:spcBef>
-                <a:spcPts val="0"/>
-              </a:spcBef>
-              <a:spcAft>
-                <a:spcPts val="0"/>
-              </a:spcAft>
-              <a:buNone/>
-              <a:tabLst/>
-            </a:pPr>
-            <a:endParaRPr lang="ru-RU" sz="1800" b="0" i="0" u="none" strike="noStrike" kern="1200" cap="none">
-              <a:ln>
-                <a:noFill/>
-              </a:ln>
-              <a:latin typeface="Liberation Sans" pitchFamily="18"/>
-              <a:ea typeface="Droid Sans Fallback" pitchFamily="2"/>
-              <a:cs typeface="FreeSans" pitchFamily="2"/>
-            </a:endParaRPr>
-          </a:p>
-        </p:txBody>
-      </p:sp>
-      <p:sp>
-        <p:nvSpPr>
-          <p:cNvPr id="6" name="Полилиния 5"/>
-          <p:cNvSpPr/>
-          <p:nvPr/>
-        </p:nvSpPr>
-        <p:spPr>
-          <a:xfrm>
-            <a:off x="6803999" y="3276110"/>
-            <a:ext cx="3168000" cy="2951999"/>
-          </a:xfrm>
-          <a:custGeom>
-            <a:avLst/>
-            <a:gdLst>
-              <a:gd name="f0" fmla="val 0"/>
-              <a:gd name="f1" fmla="val 21600"/>
-            </a:gdLst>
-            <a:ahLst/>
-            <a:cxnLst>
-              <a:cxn ang="3cd4">
-                <a:pos x="hc" y="t"/>
-              </a:cxn>
-              <a:cxn ang="0">
-                <a:pos x="r" y="vc"/>
-              </a:cxn>
-              <a:cxn ang="cd4">
-                <a:pos x="hc" y="b"/>
-              </a:cxn>
-              <a:cxn ang="cd2">
-                <a:pos x="l" y="vc"/>
-              </a:cxn>
-            </a:cxnLst>
-            <a:rect l="l" t="t" r="r" b="b"/>
-            <a:pathLst>
-              <a:path w="21600" h="21600">
-                <a:moveTo>
-                  <a:pt x="f0" y="f0"/>
-                </a:moveTo>
-                <a:lnTo>
-                  <a:pt x="f1" y="f0"/>
-                </a:lnTo>
-                <a:lnTo>
-                  <a:pt x="f1" y="f1"/>
-                </a:lnTo>
-                <a:lnTo>
-                  <a:pt x="f0" y="f1"/>
-                </a:lnTo>
-                <a:lnTo>
-                  <a:pt x="f0" y="f0"/>
-                </a:lnTo>
-                <a:close/>
-              </a:path>
-            </a:pathLst>
-          </a:custGeom>
-          <a:solidFill>
-            <a:srgbClr val="729FCF"/>
-          </a:solidFill>
-          <a:ln w="0">
-            <a:solidFill>
-              <a:srgbClr val="000000"/>
-            </a:solidFill>
-            <a:prstDash val="solid"/>
-          </a:ln>
-        </p:spPr>
-        <p:txBody>
-          <a:bodyPr vert="horz" wrap="none" lIns="90000" tIns="45000" rIns="90000" bIns="45000" anchor="ctr" anchorCtr="0" compatLnSpc="0"/>
-          <a:lstStyle>
-            <a:defPPr lvl="0">
-              <a:buSzPct val="45000"/>
-              <a:buFont typeface="StarSymbol"/>
-              <a:buNone/>
-            </a:defPPr>
-            <a:lvl1pPr lvl="0">
-              <a:buSzPct val="45000"/>
-              <a:buFont typeface="StarSymbol"/>
-              <a:buChar char="●"/>
-            </a:lvl1pPr>
-            <a:lvl2pPr lvl="1">
-              <a:buSzPct val="45000"/>
-              <a:buFont typeface="StarSymbol"/>
-              <a:buChar char="●"/>
-            </a:lvl2pPr>
-            <a:lvl3pPr lvl="2">
-              <a:buSzPct val="45000"/>
-              <a:buFont typeface="StarSymbol"/>
-              <a:buChar char="●"/>
-            </a:lvl3pPr>
-            <a:lvl4pPr lvl="3">
-              <a:buSzPct val="45000"/>
-              <a:buFont typeface="StarSymbol"/>
-              <a:buChar char="●"/>
-            </a:lvl4pPr>
-            <a:lvl5pPr lvl="4">
-              <a:buSzPct val="45000"/>
-              <a:buFont typeface="StarSymbol"/>
-              <a:buChar char="●"/>
-            </a:lvl5pPr>
-            <a:lvl6pPr lvl="5">
-              <a:buSzPct val="45000"/>
-              <a:buFont typeface="StarSymbol"/>
-              <a:buChar char="●"/>
-            </a:lvl6pPr>
-            <a:lvl7pPr lvl="6">
-              <a:buSzPct val="45000"/>
-              <a:buFont typeface="StarSymbol"/>
-              <a:buChar char="●"/>
-            </a:lvl7pPr>
-            <a:lvl8pPr lvl="7">
-              <a:buSzPct val="45000"/>
-              <a:buFont typeface="StarSymbol"/>
-              <a:buChar char="●"/>
-            </a:lvl8pPr>
-            <a:lvl9pPr lvl="8">
-              <a:buSzPct val="45000"/>
-              <a:buFont typeface="StarSymbol"/>
-              <a:buChar char="●"/>
-            </a:lvl9pPr>
-          </a:lstStyle>
-          <a:p>
-            <a:pPr marL="0" marR="0" lvl="0" indent="0" rtl="0" hangingPunct="0">
-              <a:lnSpc>
-                <a:spcPct val="100000"/>
-              </a:lnSpc>
-              <a:spcBef>
-                <a:spcPts val="0"/>
-              </a:spcBef>
-              <a:spcAft>
-                <a:spcPts val="0"/>
-              </a:spcAft>
-              <a:buNone/>
-              <a:tabLst/>
-            </a:pPr>
-            <a:endParaRPr lang="ru-RU" sz="1800" b="0" i="0" u="none" strike="noStrike" kern="1200" cap="none">
-              <a:ln>
-                <a:noFill/>
-              </a:ln>
-              <a:latin typeface="Liberation Sans" pitchFamily="18"/>
-              <a:ea typeface="Droid Sans Fallback" pitchFamily="2"/>
-              <a:cs typeface="FreeSans" pitchFamily="2"/>
-            </a:endParaRPr>
-          </a:p>
-        </p:txBody>
-      </p:sp>
-      <p:sp>
-        <p:nvSpPr>
           <p:cNvPr id="7" name="TextBox 6"/>
           <p:cNvSpPr txBox="1"/>
           <p:nvPr/>
@@ -12540,11 +14374,137 @@
                 <a:ea typeface="Droid Sans Fallback" pitchFamily="2"/>
                 <a:cs typeface="FreeSans" pitchFamily="2"/>
               </a:rPr>
-              <a:t>«Плохие» узлы влияют на результирующее время</a:t>
+              <a:t>«Плохие» узлы </a:t>
+            </a:r>
+            <a:r>
+              <a:rPr lang="ru-RU" sz="2400" b="0" i="0" u="none" strike="noStrike" kern="1200" cap="none" dirty="0" smtClean="0">
+                <a:ln>
+                  <a:noFill/>
+                </a:ln>
+                <a:ea typeface="Droid Sans Fallback" pitchFamily="2"/>
+                <a:cs typeface="FreeSans" pitchFamily="2"/>
+              </a:rPr>
+              <a:t>влияют </a:t>
+            </a:r>
+            <a:r>
+              <a:rPr lang="ru-RU" sz="2400" b="0" i="0" u="none" strike="noStrike" kern="1200" cap="none" dirty="0" smtClean="0">
+                <a:ln>
+                  <a:noFill/>
+                </a:ln>
+                <a:ea typeface="Droid Sans Fallback" pitchFamily="2"/>
+                <a:cs typeface="FreeSans" pitchFamily="2"/>
+              </a:rPr>
+              <a:t>на результирующее время</a:t>
             </a:r>
           </a:p>
         </p:txBody>
       </p:sp>
+      <p:pic>
+        <p:nvPicPr>
+          <p:cNvPr id="1028" name="Picture 4" descr="D:\Предметы\Курсовая\Screenshot_1.png"/>
+          <p:cNvPicPr>
+            <a:picLocks noChangeAspect="1" noChangeArrowheads="1"/>
+          </p:cNvPicPr>
+          <p:nvPr/>
+        </p:nvPicPr>
+        <p:blipFill>
+          <a:blip r:embed="rId3" cstate="print"/>
+          <a:srcRect/>
+          <a:stretch>
+            <a:fillRect/>
+          </a:stretch>
+        </p:blipFill>
+        <p:spPr bwMode="auto">
+          <a:xfrm>
+            <a:off x="162005" y="3807657"/>
+            <a:ext cx="3078107" cy="2049052"/>
+          </a:xfrm>
+          <a:prstGeom prst="rect">
+            <a:avLst/>
+          </a:prstGeom>
+          <a:noFill/>
+        </p:spPr>
+      </p:pic>
+      <p:pic>
+        <p:nvPicPr>
+          <p:cNvPr id="1031" name="Picture 7"/>
+          <p:cNvPicPr>
+            <a:picLocks noChangeAspect="1" noChangeArrowheads="1"/>
+          </p:cNvPicPr>
+          <p:nvPr/>
+        </p:nvPicPr>
+        <p:blipFill>
+          <a:blip r:embed="rId4" cstate="print"/>
+          <a:srcRect/>
+          <a:stretch>
+            <a:fillRect/>
+          </a:stretch>
+        </p:blipFill>
+        <p:spPr bwMode="auto">
+          <a:xfrm>
+            <a:off x="3456136" y="3788483"/>
+            <a:ext cx="3122518" cy="2077751"/>
+          </a:xfrm>
+          <a:prstGeom prst="rect">
+            <a:avLst/>
+          </a:prstGeom>
+          <a:noFill/>
+          <a:ln w="9525">
+            <a:noFill/>
+            <a:miter lim="800000"/>
+            <a:headEnd/>
+            <a:tailEnd/>
+          </a:ln>
+        </p:spPr>
+      </p:pic>
+      <p:pic>
+        <p:nvPicPr>
+          <p:cNvPr id="1032" name="Picture 8"/>
+          <p:cNvPicPr>
+            <a:picLocks noChangeAspect="1" noChangeArrowheads="1"/>
+          </p:cNvPicPr>
+          <p:nvPr/>
+        </p:nvPicPr>
+        <p:blipFill>
+          <a:blip r:embed="rId5" cstate="print"/>
+          <a:srcRect/>
+          <a:stretch>
+            <a:fillRect/>
+          </a:stretch>
+        </p:blipFill>
+        <p:spPr bwMode="auto">
+          <a:xfrm>
+            <a:off x="6814339" y="3779837"/>
+            <a:ext cx="3122517" cy="2088232"/>
+          </a:xfrm>
+          <a:prstGeom prst="rect">
+            <a:avLst/>
+          </a:prstGeom>
+          <a:noFill/>
+          <a:ln w="9525">
+            <a:noFill/>
+            <a:miter lim="800000"/>
+            <a:headEnd/>
+            <a:tailEnd/>
+          </a:ln>
+        </p:spPr>
+      </p:pic>
+      <p:graphicFrame>
+        <p:nvGraphicFramePr>
+          <p:cNvPr id="20" name="Схема 19"/>
+          <p:cNvGraphicFramePr/>
+          <p:nvPr/>
+        </p:nvGraphicFramePr>
+        <p:xfrm>
+          <a:off x="0" y="3491805"/>
+          <a:ext cx="10080625" cy="2376264"/>
+        </p:xfrm>
+        <a:graphic>
+          <a:graphicData uri="http://schemas.openxmlformats.org/drawingml/2006/diagram">
+            <dgm:relIds xmlns:dgm="http://schemas.openxmlformats.org/drawingml/2006/diagram" xmlns:r="http://schemas.openxmlformats.org/officeDocument/2006/relationships" r:dm="rId6" r:lo="rId7" r:qs="rId8" r:cs="rId9"/>
+          </a:graphicData>
+        </a:graphic>
+      </p:graphicFrame>
     </p:spTree>
   </p:cSld>
   <p:clrMapOvr>
